--- a/1. Preparación del entorno/1. Preparación del Entorno.pptx
+++ b/1. Preparación del entorno/1. Preparación del Entorno.pptx
@@ -5,10 +5,10 @@
     <p:sldMasterId id="2147483648" r:id="rId4"/>
   </p:sldMasterIdLst>
   <p:notesMasterIdLst>
-    <p:notesMasterId r:id="rId38"/>
+    <p:notesMasterId r:id="rId39"/>
   </p:notesMasterIdLst>
   <p:handoutMasterIdLst>
-    <p:handoutMasterId r:id="rId39"/>
+    <p:handoutMasterId r:id="rId40"/>
   </p:handoutMasterIdLst>
   <p:sldIdLst>
     <p:sldId id="256" r:id="rId5"/>
@@ -33,17 +33,18 @@
     <p:sldId id="348" r:id="rId24"/>
     <p:sldId id="349" r:id="rId25"/>
     <p:sldId id="350" r:id="rId26"/>
-    <p:sldId id="351" r:id="rId27"/>
-    <p:sldId id="352" r:id="rId28"/>
-    <p:sldId id="354" r:id="rId29"/>
-    <p:sldId id="353" r:id="rId30"/>
-    <p:sldId id="355" r:id="rId31"/>
-    <p:sldId id="356" r:id="rId32"/>
-    <p:sldId id="357" r:id="rId33"/>
-    <p:sldId id="358" r:id="rId34"/>
-    <p:sldId id="359" r:id="rId35"/>
-    <p:sldId id="360" r:id="rId36"/>
-    <p:sldId id="267" r:id="rId37"/>
+    <p:sldId id="361" r:id="rId27"/>
+    <p:sldId id="351" r:id="rId28"/>
+    <p:sldId id="352" r:id="rId29"/>
+    <p:sldId id="354" r:id="rId30"/>
+    <p:sldId id="353" r:id="rId31"/>
+    <p:sldId id="355" r:id="rId32"/>
+    <p:sldId id="356" r:id="rId33"/>
+    <p:sldId id="357" r:id="rId34"/>
+    <p:sldId id="358" r:id="rId35"/>
+    <p:sldId id="359" r:id="rId36"/>
+    <p:sldId id="360" r:id="rId37"/>
+    <p:sldId id="267" r:id="rId38"/>
   </p:sldIdLst>
   <p:sldSz cx="12192000" cy="6858000"/>
   <p:notesSz cx="6858000" cy="1619250"/>
@@ -288,7 +289,7 @@
           <a:p>
             <a:fld id="{9DA3D7FE-CDC8-4763-B0C2-7F2E10BA6EE1}" type="datetimeFigureOut">
               <a:rPr lang="ca-ES" smtClean="0"/>
-              <a:t>26/9/2020</a:t>
+              <a:t>28/9/2020</a:t>
             </a:fld>
             <a:endParaRPr lang="ca-ES"/>
           </a:p>
@@ -466,7 +467,7 @@
           <a:p>
             <a:fld id="{66F9DEA0-BD61-4A4C-AAFB-420A3EF0FDAC}" type="datetimeFigureOut">
               <a:rPr lang="ca-ES" smtClean="0"/>
-              <a:t>26/9/2020</a:t>
+              <a:t>28/9/2020</a:t>
             </a:fld>
             <a:endParaRPr lang="ca-ES"/>
           </a:p>
@@ -8135,7 +8136,7 @@
             </a:pPr>
             <a:r>
               <a:rPr lang="es-ES" i="1" dirty="0"/>
-              <a:t>/opt/saml2aws/saml2aws login</a:t>
+              <a:t>saml2aws login</a:t>
             </a:r>
           </a:p>
           <a:p>
@@ -8173,7 +8174,7 @@
             </a:pPr>
             <a:r>
               <a:rPr lang="en-US" i="1" dirty="0"/>
-              <a:t>eval $(/opt/saml2aws/saml2aws script)</a:t>
+              <a:t>eval $(saml2aws script)</a:t>
             </a:r>
             <a:endParaRPr lang="es-ES" i="1" dirty="0"/>
           </a:p>
@@ -8327,71 +8328,29 @@
       </p:sp>
       <p:sp>
         <p:nvSpPr>
-          <p:cNvPr id="4" name="Título 3">
-            <a:extLst>
-              <a:ext uri="{FF2B5EF4-FFF2-40B4-BE49-F238E27FC236}">
-                <a16:creationId xmlns:a16="http://schemas.microsoft.com/office/drawing/2014/main" id="{4E333C21-C25F-410C-82F6-9F9B51A96715}"/>
-              </a:ext>
-            </a:extLst>
-          </p:cNvPr>
-          <p:cNvSpPr>
-            <a:spLocks noGrp="1"/>
-          </p:cNvSpPr>
-          <p:nvPr>
-            <p:ph type="title"/>
+          <p:cNvPr id="5" name="Marcador de contenido 4">
+            <a:extLst>
+              <a:ext uri="{FF2B5EF4-FFF2-40B4-BE49-F238E27FC236}">
+                <a16:creationId xmlns:a16="http://schemas.microsoft.com/office/drawing/2014/main" id="{8D603722-7CA9-4905-99B6-55FC18A25096}"/>
+              </a:ext>
+            </a:extLst>
+          </p:cNvPr>
+          <p:cNvSpPr>
+            <a:spLocks noGrp="1"/>
+          </p:cNvSpPr>
+          <p:nvPr>
+            <p:ph idx="1"/>
           </p:nvPr>
         </p:nvSpPr>
         <p:spPr>
           <a:xfrm>
-            <a:off x="6600179" y="1748169"/>
-            <a:ext cx="4335680" cy="549189"/>
+            <a:off x="6238229" y="1477005"/>
+            <a:ext cx="5699327" cy="4879345"/>
           </a:xfrm>
         </p:spPr>
         <p:txBody>
           <a:bodyPr>
-            <a:normAutofit fontScale="90000"/>
-          </a:bodyPr>
-          <a:lstStyle/>
-          <a:p>
-            <a:r>
-              <a:rPr lang="es-ES" sz="2400" dirty="0"/>
-              <a:t>Práctica 10: Config Git desde VM</a:t>
-            </a:r>
-            <a:br>
-              <a:rPr lang="es-ES" sz="2400" dirty="0"/>
-            </a:br>
-            <a:r>
-              <a:rPr lang="es-ES" sz="2400" dirty="0"/>
-              <a:t>(5 min)</a:t>
-            </a:r>
-          </a:p>
-        </p:txBody>
-      </p:sp>
-      <p:sp>
-        <p:nvSpPr>
-          <p:cNvPr id="5" name="Marcador de contenido 4">
-            <a:extLst>
-              <a:ext uri="{FF2B5EF4-FFF2-40B4-BE49-F238E27FC236}">
-                <a16:creationId xmlns:a16="http://schemas.microsoft.com/office/drawing/2014/main" id="{8D603722-7CA9-4905-99B6-55FC18A25096}"/>
-              </a:ext>
-            </a:extLst>
-          </p:cNvPr>
-          <p:cNvSpPr>
-            <a:spLocks noGrp="1"/>
-          </p:cNvSpPr>
-          <p:nvPr>
-            <p:ph idx="1"/>
-          </p:nvPr>
-        </p:nvSpPr>
-        <p:spPr>
-          <a:xfrm>
-            <a:off x="6238229" y="2722301"/>
-            <a:ext cx="5591821" cy="3634049"/>
-          </a:xfrm>
-        </p:spPr>
-        <p:txBody>
-          <a:bodyPr>
-            <a:normAutofit fontScale="85000" lnSpcReduction="20000"/>
+            <a:normAutofit/>
           </a:bodyPr>
           <a:lstStyle/>
           <a:p>
@@ -8401,7 +8360,15 @@
             </a:pPr>
             <a:r>
               <a:rPr lang="es-ES" dirty="0"/>
-              <a:t>Para que podamos también conectarnos a los repositorios de Bitbucket y realizar operaciones con ellos de clonación, pull, commits, etc. debemos ejecutar los comandos de configuración de git:</a:t>
+              <a:t>A continuación probaremos de hacer una ejecución de un comando básico de AWS para listar los </a:t>
+            </a:r>
+            <a:r>
+              <a:rPr lang="es-ES" dirty="0" err="1"/>
+              <a:t>buckets</a:t>
+            </a:r>
+            <a:r>
+              <a:rPr lang="es-ES" dirty="0"/>
+              <a:t> de S3:</a:t>
             </a:r>
           </a:p>
           <a:p>
@@ -8410,16 +8377,12 @@
               <a:buChar char="-"/>
             </a:pPr>
             <a:r>
+              <a:rPr lang="es-ES" i="1" dirty="0" err="1"/>
+              <a:t>aws</a:t>
+            </a:r>
+            <a:r>
               <a:rPr lang="es-ES" i="1" dirty="0"/>
-              <a:t>git config --global </a:t>
-            </a:r>
-            <a:r>
-              <a:rPr lang="es-ES" i="1" dirty="0" err="1"/>
-              <a:t>core.autocrlf</a:t>
-            </a:r>
-            <a:r>
-              <a:rPr lang="es-ES" i="1" dirty="0"/>
-              <a:t> input</a:t>
+              <a:t> s3 ls</a:t>
             </a:r>
           </a:p>
           <a:p>
@@ -8429,18 +8392,9 @@
             </a:pPr>
             <a:r>
               <a:rPr lang="es-ES" i="1" dirty="0"/>
-              <a:t>git config --global i18n.commitEncoding utf-8</a:t>
-            </a:r>
-          </a:p>
-          <a:p>
-            <a:pPr marL="742950" lvl="1" indent="-285750" algn="just">
-              <a:buFontTx/>
-              <a:buChar char="-"/>
-            </a:pPr>
-            <a:r>
-              <a:rPr lang="es-ES" i="1" dirty="0"/>
-              <a:t>git config --global i18n.logOutputEncoding utf-8</a:t>
-            </a:r>
+              <a:t>saml exec s3 ls</a:t>
+            </a:r>
+            <a:endParaRPr lang="es-ES" dirty="0"/>
           </a:p>
           <a:p>
             <a:pPr marL="285750" indent="-285750" algn="just">
@@ -8449,18 +8403,101 @@
             </a:pPr>
             <a:r>
               <a:rPr lang="es-ES" dirty="0"/>
-              <a:t>Podemos comprobar el correcto funcionamiento de git haciendo:</a:t>
-            </a:r>
-          </a:p>
-          <a:p>
-            <a:pPr marL="742950" lvl="1" indent="-285750">
+              <a:t>Esto nos devuelve un error debido a la falta de permisos, ya que estamos usando nuestra cuenta sin ningún rol asociado. Para asociar el rol de </a:t>
+            </a:r>
+            <a:r>
+              <a:rPr lang="es-ES" dirty="0" err="1"/>
+              <a:t>SECALabs</a:t>
+            </a:r>
+            <a:r>
+              <a:rPr lang="es-ES" dirty="0"/>
+              <a:t> pegaremos estas líneas en </a:t>
+            </a:r>
+            <a:r>
+              <a:rPr lang="es-ES" i="1" dirty="0"/>
+              <a:t>~/.</a:t>
+            </a:r>
+            <a:r>
+              <a:rPr lang="es-ES" i="1" dirty="0" err="1"/>
+              <a:t>aws</a:t>
+            </a:r>
+            <a:r>
+              <a:rPr lang="es-ES" i="1" dirty="0"/>
+              <a:t>/config</a:t>
+            </a:r>
+            <a:r>
+              <a:rPr lang="es-ES" dirty="0"/>
+              <a:t>:</a:t>
+            </a:r>
+          </a:p>
+          <a:p>
+            <a:pPr lvl="1" algn="just"/>
+            <a:r>
+              <a:rPr lang="es-ES" sz="1200" i="1" dirty="0"/>
+              <a:t>[profile seca-</a:t>
+            </a:r>
+            <a:r>
+              <a:rPr lang="es-ES" sz="1200" i="1" dirty="0" err="1"/>
+              <a:t>labs</a:t>
+            </a:r>
+            <a:r>
+              <a:rPr lang="es-ES" sz="1200" i="1" dirty="0"/>
+              <a:t>-</a:t>
+            </a:r>
+            <a:r>
+              <a:rPr lang="es-ES" sz="1200" i="1" dirty="0" err="1"/>
+              <a:t>ccmaSECAlabsRol</a:t>
+            </a:r>
+            <a:r>
+              <a:rPr lang="es-ES" sz="1200" i="1" dirty="0"/>
+              <a:t>]</a:t>
+            </a:r>
+          </a:p>
+          <a:p>
+            <a:pPr lvl="1" algn="just"/>
+            <a:r>
+              <a:rPr lang="es-ES" sz="1200" i="1" dirty="0" err="1"/>
+              <a:t>source_profile</a:t>
+            </a:r>
+            <a:r>
+              <a:rPr lang="es-ES" sz="1200" i="1" dirty="0"/>
+              <a:t>=saml</a:t>
+            </a:r>
+          </a:p>
+          <a:p>
+            <a:pPr lvl="1" algn="just"/>
+            <a:r>
+              <a:rPr lang="es-ES" sz="1200" i="1" dirty="0" err="1"/>
+              <a:t>role_arn</a:t>
+            </a:r>
+            <a:r>
+              <a:rPr lang="es-ES" sz="1200" i="1" dirty="0"/>
+              <a:t>=</a:t>
+            </a:r>
+            <a:r>
+              <a:rPr lang="es-ES" sz="1200" i="1" dirty="0" err="1"/>
+              <a:t>arn:aws:iam</a:t>
+            </a:r>
+            <a:r>
+              <a:rPr lang="es-ES" sz="1200" i="1" dirty="0"/>
+              <a:t>::310106061799:role/</a:t>
+            </a:r>
+            <a:r>
+              <a:rPr lang="es-ES" sz="1200" i="1" dirty="0" err="1"/>
+              <a:t>ccmaSECAlabsRol</a:t>
+            </a:r>
+            <a:endParaRPr lang="es-ES" sz="1200" i="1" dirty="0"/>
+          </a:p>
+          <a:p>
+            <a:pPr marL="285750" indent="-285750" algn="just">
               <a:buFontTx/>
               <a:buChar char="-"/>
             </a:pPr>
-            <a:r>
-              <a:rPr lang="es-ES" i="1" dirty="0"/>
-              <a:t>git clone https://[nombre_usuario]@bitbucket.ccma.cat/scm/slabs/ccma-seca.ansible.role.tomcat-customcontent.git</a:t>
-            </a:r>
+            <a:endParaRPr lang="es-ES" dirty="0"/>
+          </a:p>
+          <a:p>
+            <a:pPr algn="just"/>
+            <a:endParaRPr lang="en-US" b="1" dirty="0"/>
           </a:p>
         </p:txBody>
       </p:sp>
@@ -8489,67 +8526,45 @@
           <a:p>
             <a:r>
               <a:rPr lang="ca-ES" dirty="0"/>
-              <a:t>10.1</a:t>
+              <a:t>9.1</a:t>
             </a:r>
           </a:p>
         </p:txBody>
       </p:sp>
       <p:pic>
         <p:nvPicPr>
-          <p:cNvPr id="1026" name="Picture 2" descr="Atlassian Bitbucket (@Bitbucket) | Twitter">
-            <a:extLst>
-              <a:ext uri="{FF2B5EF4-FFF2-40B4-BE49-F238E27FC236}">
-                <a16:creationId xmlns:a16="http://schemas.microsoft.com/office/drawing/2014/main" id="{ECEB7D94-3571-468C-ACA3-CFFC10566776}"/>
+          <p:cNvPr id="9" name="Imagen 8">
+            <a:extLst>
+              <a:ext uri="{FF2B5EF4-FFF2-40B4-BE49-F238E27FC236}">
+                <a16:creationId xmlns:a16="http://schemas.microsoft.com/office/drawing/2014/main" id="{CE5DE91C-E4EC-41DA-977C-114AC034815F}"/>
               </a:ext>
             </a:extLst>
           </p:cNvPr>
           <p:cNvPicPr>
-            <a:picLocks noChangeAspect="1" noChangeArrowheads="1"/>
+            <a:picLocks noChangeAspect="1"/>
           </p:cNvPicPr>
           <p:nvPr/>
         </p:nvPicPr>
         <p:blipFill>
-          <a:blip r:embed="rId2">
-            <a:extLst>
-              <a:ext uri="{28A0092B-C50C-407E-A947-70E740481C1C}">
-                <a14:useLocalDpi xmlns:a14="http://schemas.microsoft.com/office/drawing/2010/main" val="0"/>
-              </a:ext>
-            </a:extLst>
-          </a:blip>
-          <a:srcRect/>
+          <a:blip r:embed="rId2"/>
           <a:stretch>
             <a:fillRect/>
           </a:stretch>
         </p:blipFill>
-        <p:spPr bwMode="auto">
+        <p:spPr>
           <a:xfrm>
-            <a:off x="1151708" y="1524000"/>
-            <a:ext cx="3810000" cy="3810000"/>
+            <a:off x="423862" y="1988615"/>
+            <a:ext cx="5408673" cy="2880769"/>
           </a:xfrm>
           <a:prstGeom prst="rect">
             <a:avLst/>
           </a:prstGeom>
-          <a:noFill/>
-          <a:ln w="12700">
-            <a:solidFill>
-              <a:schemeClr val="tx1"/>
-            </a:solidFill>
-          </a:ln>
-          <a:extLst>
-            <a:ext uri="{909E8E84-426E-40DD-AFC4-6F175D3DCCD1}">
-              <a14:hiddenFill xmlns:a14="http://schemas.microsoft.com/office/drawing/2010/main">
-                <a:solidFill>
-                  <a:srgbClr val="FFFFFF"/>
-                </a:solidFill>
-              </a14:hiddenFill>
-            </a:ext>
-          </a:extLst>
         </p:spPr>
       </p:pic>
     </p:spTree>
     <p:extLst>
       <p:ext uri="{BB962C8B-B14F-4D97-AF65-F5344CB8AC3E}">
-        <p14:creationId xmlns:p14="http://schemas.microsoft.com/office/powerpoint/2010/main" val="4131475390"/>
+        <p14:creationId xmlns:p14="http://schemas.microsoft.com/office/powerpoint/2010/main" val="1658128562"/>
       </p:ext>
     </p:extLst>
   </p:cSld>
@@ -8636,14 +8651,14 @@
           <a:p>
             <a:r>
               <a:rPr lang="es-ES" sz="2400" dirty="0"/>
-              <a:t>Práctica 11: Instalación local de Jenkins</a:t>
+              <a:t>Práctica 10: Config Git desde VM</a:t>
             </a:r>
             <a:br>
               <a:rPr lang="es-ES" sz="2400" dirty="0"/>
             </a:br>
             <a:r>
               <a:rPr lang="es-ES" sz="2400" dirty="0"/>
-              <a:t>(15 min)</a:t>
+              <a:t>(5 min)</a:t>
             </a:r>
           </a:p>
         </p:txBody>
@@ -8672,7 +8687,7 @@
         </p:spPr>
         <p:txBody>
           <a:bodyPr>
-            <a:normAutofit fontScale="92500" lnSpcReduction="10000"/>
+            <a:normAutofit fontScale="85000" lnSpcReduction="20000"/>
           </a:bodyPr>
           <a:lstStyle/>
           <a:p>
@@ -8682,7 +8697,45 @@
             </a:pPr>
             <a:r>
               <a:rPr lang="es-ES" dirty="0"/>
-              <a:t>A diferencia de las imágenes Docker (o de cualquier otro protocolo de container), una Máquina Virtual tiene a su disposición una cantidad de recursos reservadas de su máquina anfitrión o host, por lo que si tiene recursos a su disposición es aconsejable añadirle funciones</a:t>
+              <a:t>Para que podamos también conectarnos a los repositorios de Bitbucket y realizar operaciones con ellos de clonación, pull, commits, etc. debemos ejecutar los comandos de configuración de git:</a:t>
+            </a:r>
+          </a:p>
+          <a:p>
+            <a:pPr marL="742950" lvl="1" indent="-285750" algn="just">
+              <a:buFontTx/>
+              <a:buChar char="-"/>
+            </a:pPr>
+            <a:r>
+              <a:rPr lang="es-ES" i="1" dirty="0"/>
+              <a:t>git config --global </a:t>
+            </a:r>
+            <a:r>
+              <a:rPr lang="es-ES" i="1" dirty="0" err="1"/>
+              <a:t>core.autocrlf</a:t>
+            </a:r>
+            <a:r>
+              <a:rPr lang="es-ES" i="1" dirty="0"/>
+              <a:t> input</a:t>
+            </a:r>
+          </a:p>
+          <a:p>
+            <a:pPr marL="742950" lvl="1" indent="-285750" algn="just">
+              <a:buFontTx/>
+              <a:buChar char="-"/>
+            </a:pPr>
+            <a:r>
+              <a:rPr lang="es-ES" i="1" dirty="0"/>
+              <a:t>git config --global i18n.commitEncoding utf-8</a:t>
+            </a:r>
+          </a:p>
+          <a:p>
+            <a:pPr marL="742950" lvl="1" indent="-285750" algn="just">
+              <a:buFontTx/>
+              <a:buChar char="-"/>
+            </a:pPr>
+            <a:r>
+              <a:rPr lang="es-ES" i="1" dirty="0"/>
+              <a:t>git config --global i18n.logOutputEncoding utf-8</a:t>
             </a:r>
           </a:p>
           <a:p>
@@ -8692,17 +8745,17 @@
             </a:pPr>
             <a:r>
               <a:rPr lang="es-ES" dirty="0"/>
-              <a:t>En nuestro caso aprovecharemos nuestra MV para hostear nuestro servicio de CI/CD, Jenkins</a:t>
-            </a:r>
-          </a:p>
-          <a:p>
-            <a:pPr marL="285750" indent="-285750" algn="just">
+              <a:t>Podemos comprobar el correcto funcionamiento de git haciendo:</a:t>
+            </a:r>
+          </a:p>
+          <a:p>
+            <a:pPr marL="742950" lvl="1" indent="-285750">
               <a:buFontTx/>
               <a:buChar char="-"/>
             </a:pPr>
             <a:r>
-              <a:rPr lang="es-ES" dirty="0"/>
-              <a:t>El archivo Vagrant de configuración ya incluía un mapeo de puertos para que podamos acceder a Jenkins desde el anfitrión, el 8080</a:t>
+              <a:rPr lang="es-ES" i="1" dirty="0"/>
+              <a:t>git clone https://[nombre_usuario]@bitbucket.ccma.cat/scm/slabs/ccma-seca.ansible.role.tomcat-customcontent.git</a:t>
             </a:r>
           </a:p>
         </p:txBody>
@@ -8732,17 +8785,17 @@
           <a:p>
             <a:r>
               <a:rPr lang="ca-ES" dirty="0"/>
-              <a:t>11.1</a:t>
+              <a:t>10.1</a:t>
             </a:r>
           </a:p>
         </p:txBody>
       </p:sp>
       <p:pic>
         <p:nvPicPr>
-          <p:cNvPr id="3" name="Picture 2" descr="GitHub | La Solución de Control de versiones">
-            <a:extLst>
-              <a:ext uri="{FF2B5EF4-FFF2-40B4-BE49-F238E27FC236}">
-                <a16:creationId xmlns:a16="http://schemas.microsoft.com/office/drawing/2014/main" id="{024C7C87-4821-4D6C-AD72-1A542C0BA8E5}"/>
+          <p:cNvPr id="1026" name="Picture 2" descr="Atlassian Bitbucket (@Bitbucket) | Twitter">
+            <a:extLst>
+              <a:ext uri="{FF2B5EF4-FFF2-40B4-BE49-F238E27FC236}">
+                <a16:creationId xmlns:a16="http://schemas.microsoft.com/office/drawing/2014/main" id="{ECEB7D94-3571-468C-ACA3-CFFC10566776}"/>
               </a:ext>
             </a:extLst>
           </p:cNvPr>
@@ -8766,8 +8819,8 @@
         </p:blipFill>
         <p:spPr bwMode="auto">
           <a:xfrm>
-            <a:off x="803111" y="1261160"/>
-            <a:ext cx="4335680" cy="4335680"/>
+            <a:off x="1151708" y="1524000"/>
+            <a:ext cx="3810000" cy="3810000"/>
           </a:xfrm>
           <a:prstGeom prst="rect">
             <a:avLst/>
@@ -8792,7 +8845,7 @@
     </p:spTree>
     <p:extLst>
       <p:ext uri="{BB962C8B-B14F-4D97-AF65-F5344CB8AC3E}">
-        <p14:creationId xmlns:p14="http://schemas.microsoft.com/office/powerpoint/2010/main" val="3421979567"/>
+        <p14:creationId xmlns:p14="http://schemas.microsoft.com/office/powerpoint/2010/main" val="4131475390"/>
       </p:ext>
     </p:extLst>
   </p:cSld>
@@ -8851,261 +8904,128 @@
       </p:sp>
       <p:sp>
         <p:nvSpPr>
-          <p:cNvPr id="5" name="Marcador de contenido 4">
-            <a:extLst>
-              <a:ext uri="{FF2B5EF4-FFF2-40B4-BE49-F238E27FC236}">
-                <a16:creationId xmlns:a16="http://schemas.microsoft.com/office/drawing/2014/main" id="{8D603722-7CA9-4905-99B6-55FC18A25096}"/>
-              </a:ext>
-            </a:extLst>
-          </p:cNvPr>
-          <p:cNvSpPr>
-            <a:spLocks noGrp="1"/>
-          </p:cNvSpPr>
-          <p:nvPr>
-            <p:ph idx="1"/>
+          <p:cNvPr id="4" name="Título 3">
+            <a:extLst>
+              <a:ext uri="{FF2B5EF4-FFF2-40B4-BE49-F238E27FC236}">
+                <a16:creationId xmlns:a16="http://schemas.microsoft.com/office/drawing/2014/main" id="{4E333C21-C25F-410C-82F6-9F9B51A96715}"/>
+              </a:ext>
+            </a:extLst>
+          </p:cNvPr>
+          <p:cNvSpPr>
+            <a:spLocks noGrp="1"/>
+          </p:cNvSpPr>
+          <p:nvPr>
+            <p:ph type="title"/>
           </p:nvPr>
         </p:nvSpPr>
         <p:spPr>
           <a:xfrm>
-            <a:off x="6238229" y="1477005"/>
-            <a:ext cx="5699327" cy="4879345"/>
-          </a:xfrm>
-        </p:spPr>
+            <a:off x="6600179" y="1748169"/>
+            <a:ext cx="4335680" cy="549189"/>
+          </a:xfrm>
+        </p:spPr>
+        <p:txBody>
+          <a:bodyPr>
+            <a:normAutofit fontScale="90000"/>
+          </a:bodyPr>
+          <a:lstStyle/>
+          <a:p>
+            <a:r>
+              <a:rPr lang="es-ES" sz="2400" dirty="0"/>
+              <a:t>Práctica 11: Instalación local de Jenkins</a:t>
+            </a:r>
+            <a:br>
+              <a:rPr lang="es-ES" sz="2400" dirty="0"/>
+            </a:br>
+            <a:r>
+              <a:rPr lang="es-ES" sz="2400" dirty="0"/>
+              <a:t>(15 min)</a:t>
+            </a:r>
+          </a:p>
+        </p:txBody>
+      </p:sp>
+      <p:sp>
+        <p:nvSpPr>
+          <p:cNvPr id="5" name="Marcador de contenido 4">
+            <a:extLst>
+              <a:ext uri="{FF2B5EF4-FFF2-40B4-BE49-F238E27FC236}">
+                <a16:creationId xmlns:a16="http://schemas.microsoft.com/office/drawing/2014/main" id="{8D603722-7CA9-4905-99B6-55FC18A25096}"/>
+              </a:ext>
+            </a:extLst>
+          </p:cNvPr>
+          <p:cNvSpPr>
+            <a:spLocks noGrp="1"/>
+          </p:cNvSpPr>
+          <p:nvPr>
+            <p:ph idx="1"/>
+          </p:nvPr>
+        </p:nvSpPr>
+        <p:spPr>
+          <a:xfrm>
+            <a:off x="6238229" y="2722301"/>
+            <a:ext cx="5591821" cy="3634049"/>
+          </a:xfrm>
+        </p:spPr>
+        <p:txBody>
+          <a:bodyPr>
+            <a:normAutofit fontScale="92500" lnSpcReduction="10000"/>
+          </a:bodyPr>
+          <a:lstStyle/>
+          <a:p>
+            <a:pPr marL="285750" indent="-285750" algn="just">
+              <a:buFontTx/>
+              <a:buChar char="-"/>
+            </a:pPr>
+            <a:r>
+              <a:rPr lang="es-ES" dirty="0"/>
+              <a:t>A diferencia de las imágenes Docker (o de cualquier otro protocolo de container), una Máquina Virtual tiene a su disposición una cantidad de recursos reservadas de su máquina anfitrión o host, por lo que si tiene recursos a su disposición es aconsejable añadirle funciones</a:t>
+            </a:r>
+          </a:p>
+          <a:p>
+            <a:pPr marL="285750" indent="-285750" algn="just">
+              <a:buFontTx/>
+              <a:buChar char="-"/>
+            </a:pPr>
+            <a:r>
+              <a:rPr lang="es-ES" dirty="0"/>
+              <a:t>En nuestro caso aprovecharemos nuestra MV para hostear nuestro servicio de CI/CD, Jenkins</a:t>
+            </a:r>
+          </a:p>
+          <a:p>
+            <a:pPr marL="285750" indent="-285750" algn="just">
+              <a:buFontTx/>
+              <a:buChar char="-"/>
+            </a:pPr>
+            <a:r>
+              <a:rPr lang="es-ES" dirty="0"/>
+              <a:t>El archivo Vagrant de configuración ya incluía un mapeo de puertos para que podamos acceder a Jenkins desde el anfitrión, el 8080</a:t>
+            </a:r>
+          </a:p>
+        </p:txBody>
+      </p:sp>
+      <p:sp>
+        <p:nvSpPr>
+          <p:cNvPr id="6" name="Marcador de contenido 5">
+            <a:extLst>
+              <a:ext uri="{FF2B5EF4-FFF2-40B4-BE49-F238E27FC236}">
+                <a16:creationId xmlns:a16="http://schemas.microsoft.com/office/drawing/2014/main" id="{7C1F35BD-8859-443F-B451-4E74D56C4093}"/>
+              </a:ext>
+            </a:extLst>
+          </p:cNvPr>
+          <p:cNvSpPr>
+            <a:spLocks noGrp="1"/>
+          </p:cNvSpPr>
+          <p:nvPr>
+            <p:ph sz="quarter" idx="11"/>
+          </p:nvPr>
+        </p:nvSpPr>
+        <p:spPr/>
         <p:txBody>
           <a:bodyPr>
             <a:normAutofit lnSpcReduction="10000"/>
           </a:bodyPr>
           <a:lstStyle/>
           <a:p>
-            <a:pPr marL="285750" indent="-285750" algn="just">
-              <a:buFontTx/>
-              <a:buChar char="-"/>
-            </a:pPr>
-            <a:r>
-              <a:rPr lang="es-ES" dirty="0"/>
-              <a:t>Para instalar Jenkins, conectados por SSH a nuestra máquina, ejecutaremos la siguiente cadena de comandos:</a:t>
-            </a:r>
-          </a:p>
-          <a:p>
-            <a:pPr marL="742950" lvl="1" indent="-285750">
-              <a:buFontTx/>
-              <a:buChar char="-"/>
-            </a:pPr>
-            <a:r>
-              <a:rPr lang="en-US" sz="1400" dirty="0"/>
-              <a:t>wget -O /</a:t>
-            </a:r>
-            <a:r>
-              <a:rPr lang="en-US" sz="1400" dirty="0" err="1"/>
-              <a:t>etc</a:t>
-            </a:r>
-            <a:r>
-              <a:rPr lang="en-US" sz="1400" dirty="0"/>
-              <a:t>/yum.repos.d/</a:t>
-            </a:r>
-            <a:r>
-              <a:rPr lang="en-US" sz="1400" dirty="0" err="1"/>
-              <a:t>jenkins.repo</a:t>
-            </a:r>
-            <a:r>
-              <a:rPr lang="en-US" sz="1400" dirty="0"/>
-              <a:t> </a:t>
-            </a:r>
-            <a:r>
-              <a:rPr lang="en-US" sz="1400" dirty="0">
-                <a:hlinkClick r:id="rId2"/>
-              </a:rPr>
-              <a:t>https://pkg.jenkins.io/redhat/jenkins.repo</a:t>
-            </a:r>
-            <a:endParaRPr lang="en-US" sz="1400" dirty="0"/>
-          </a:p>
-          <a:p>
-            <a:pPr marL="742950" lvl="1" indent="-285750">
-              <a:buFontTx/>
-              <a:buChar char="-"/>
-            </a:pPr>
-            <a:r>
-              <a:rPr lang="en-US" sz="1400" dirty="0"/>
-              <a:t>rpm --import </a:t>
-            </a:r>
-            <a:r>
-              <a:rPr lang="en-US" sz="1400" dirty="0">
-                <a:hlinkClick r:id="rId3"/>
-              </a:rPr>
-              <a:t>https://pkg.jenkins.io/redhat/jenkins.io.key</a:t>
-            </a:r>
-            <a:endParaRPr lang="en-US" sz="1400" dirty="0"/>
-          </a:p>
-          <a:p>
-            <a:pPr marL="742950" lvl="1" indent="-285750">
-              <a:buFontTx/>
-              <a:buChar char="-"/>
-            </a:pPr>
-            <a:r>
-              <a:rPr lang="en-US" sz="1400" dirty="0"/>
-              <a:t>yum install jenkins java-1.8.0-openjdk-devel git –y</a:t>
-            </a:r>
-          </a:p>
-          <a:p>
-            <a:pPr marL="742950" lvl="1" indent="-285750">
-              <a:buFontTx/>
-              <a:buChar char="-"/>
-            </a:pPr>
-            <a:r>
-              <a:rPr lang="en-US" sz="1400" dirty="0"/>
-              <a:t>systemctl enable jenkins &amp;&amp; systemctl restart jenkins</a:t>
-            </a:r>
-          </a:p>
-          <a:p>
-            <a:pPr marL="742950" lvl="1" indent="-285750">
-              <a:buFontTx/>
-              <a:buChar char="-"/>
-            </a:pPr>
-            <a:endParaRPr lang="en-US" sz="1400" dirty="0"/>
-          </a:p>
-          <a:p>
-            <a:pPr marL="285750" indent="-285750">
-              <a:buFontTx/>
-              <a:buChar char="-"/>
-            </a:pPr>
-            <a:r>
-              <a:rPr lang="en-US" sz="1400" dirty="0"/>
-              <a:t>Podemos </a:t>
-            </a:r>
-            <a:r>
-              <a:rPr lang="en-US" sz="1400" dirty="0" err="1"/>
-              <a:t>ver</a:t>
-            </a:r>
-            <a:r>
-              <a:rPr lang="en-US" sz="1400" dirty="0"/>
-              <a:t> que la </a:t>
-            </a:r>
-            <a:r>
-              <a:rPr lang="en-US" sz="1400" dirty="0" err="1"/>
-              <a:t>instalación</a:t>
-            </a:r>
-            <a:r>
-              <a:rPr lang="en-US" sz="1400" dirty="0"/>
-              <a:t> se ha </a:t>
-            </a:r>
-            <a:r>
-              <a:rPr lang="en-US" sz="1400" dirty="0" err="1"/>
-              <a:t>completado</a:t>
-            </a:r>
-            <a:r>
-              <a:rPr lang="en-US" sz="1400" dirty="0"/>
-              <a:t> </a:t>
-            </a:r>
-            <a:r>
-              <a:rPr lang="en-US" sz="1400" dirty="0" err="1"/>
-              <a:t>correctamente</a:t>
-            </a:r>
-            <a:r>
-              <a:rPr lang="en-US" sz="1400" dirty="0"/>
-              <a:t> hacienda </a:t>
-            </a:r>
-            <a:r>
-              <a:rPr lang="en-US" sz="1400" dirty="0" err="1"/>
-              <a:t>desde</a:t>
-            </a:r>
-            <a:r>
-              <a:rPr lang="en-US" sz="1400" dirty="0"/>
-              <a:t> la </a:t>
-            </a:r>
-            <a:r>
-              <a:rPr lang="en-US" sz="1400" dirty="0" err="1"/>
-              <a:t>consola</a:t>
-            </a:r>
-            <a:r>
-              <a:rPr lang="en-US" sz="1400" dirty="0"/>
-              <a:t>:</a:t>
-            </a:r>
-          </a:p>
-          <a:p>
-            <a:pPr marL="742950" lvl="1" indent="-285750">
-              <a:buFontTx/>
-              <a:buChar char="-"/>
-            </a:pPr>
-            <a:r>
-              <a:rPr lang="en-US" sz="1400" i="1" dirty="0"/>
-              <a:t>curl localhost:8080</a:t>
-            </a:r>
-          </a:p>
-          <a:p>
-            <a:pPr marL="285750" indent="-285750">
-              <a:buFontTx/>
-              <a:buChar char="-"/>
-            </a:pPr>
-            <a:r>
-              <a:rPr lang="en-US" sz="1400" dirty="0"/>
-              <a:t>O bien </a:t>
-            </a:r>
-            <a:r>
-              <a:rPr lang="en-US" sz="1400" dirty="0" err="1"/>
-              <a:t>accediendo</a:t>
-            </a:r>
-            <a:r>
-              <a:rPr lang="en-US" sz="1400" dirty="0"/>
-              <a:t> a </a:t>
-            </a:r>
-            <a:r>
-              <a:rPr lang="en-US" sz="1400" i="1" dirty="0"/>
-              <a:t>localhost:8080</a:t>
-            </a:r>
-            <a:r>
-              <a:rPr lang="en-US" sz="1400" dirty="0"/>
-              <a:t> </a:t>
-            </a:r>
-            <a:r>
-              <a:rPr lang="en-US" sz="1400" dirty="0" err="1"/>
-              <a:t>desde</a:t>
-            </a:r>
-            <a:r>
-              <a:rPr lang="en-US" sz="1400" dirty="0"/>
-              <a:t> el </a:t>
-            </a:r>
-            <a:r>
-              <a:rPr lang="en-US" sz="1400" dirty="0" err="1"/>
-              <a:t>navegador</a:t>
-            </a:r>
-            <a:r>
-              <a:rPr lang="en-US" sz="1400" dirty="0"/>
-              <a:t> de la </a:t>
-            </a:r>
-            <a:r>
-              <a:rPr lang="en-US" sz="1400" dirty="0" err="1"/>
-              <a:t>máquina</a:t>
-            </a:r>
-            <a:r>
-              <a:rPr lang="en-US" sz="1400" dirty="0"/>
-              <a:t> host</a:t>
-            </a:r>
-          </a:p>
-        </p:txBody>
-      </p:sp>
-      <p:sp>
-        <p:nvSpPr>
-          <p:cNvPr id="6" name="Marcador de contenido 5">
-            <a:extLst>
-              <a:ext uri="{FF2B5EF4-FFF2-40B4-BE49-F238E27FC236}">
-                <a16:creationId xmlns:a16="http://schemas.microsoft.com/office/drawing/2014/main" id="{7C1F35BD-8859-443F-B451-4E74D56C4093}"/>
-              </a:ext>
-            </a:extLst>
-          </p:cNvPr>
-          <p:cNvSpPr>
-            <a:spLocks noGrp="1"/>
-          </p:cNvSpPr>
-          <p:nvPr>
-            <p:ph sz="quarter" idx="11"/>
-          </p:nvPr>
-        </p:nvSpPr>
-        <p:spPr/>
-        <p:txBody>
-          <a:bodyPr>
-            <a:normAutofit lnSpcReduction="10000"/>
-          </a:bodyPr>
-          <a:lstStyle/>
-          <a:p>
             <a:r>
               <a:rPr lang="ca-ES" dirty="0"/>
               <a:t>11.1</a:t>
@@ -9115,43 +9035,60 @@
       </p:sp>
       <p:pic>
         <p:nvPicPr>
-          <p:cNvPr id="8" name="Imagen 7">
-            <a:extLst>
-              <a:ext uri="{FF2B5EF4-FFF2-40B4-BE49-F238E27FC236}">
-                <a16:creationId xmlns:a16="http://schemas.microsoft.com/office/drawing/2014/main" id="{18339729-BABE-4A44-B5E6-DE81A9A33A9A}"/>
+          <p:cNvPr id="3" name="Picture 2" descr="GitHub | La Solución de Control de versiones">
+            <a:extLst>
+              <a:ext uri="{FF2B5EF4-FFF2-40B4-BE49-F238E27FC236}">
+                <a16:creationId xmlns:a16="http://schemas.microsoft.com/office/drawing/2014/main" id="{024C7C87-4821-4D6C-AD72-1A542C0BA8E5}"/>
               </a:ext>
             </a:extLst>
           </p:cNvPr>
           <p:cNvPicPr>
-            <a:picLocks noChangeAspect="1"/>
+            <a:picLocks noChangeAspect="1" noChangeArrowheads="1"/>
           </p:cNvPicPr>
           <p:nvPr/>
         </p:nvPicPr>
         <p:blipFill>
-          <a:blip r:embed="rId4"/>
+          <a:blip r:embed="rId2">
+            <a:extLst>
+              <a:ext uri="{28A0092B-C50C-407E-A947-70E740481C1C}">
+                <a14:useLocalDpi xmlns:a14="http://schemas.microsoft.com/office/drawing/2010/main" val="0"/>
+              </a:ext>
+            </a:extLst>
+          </a:blip>
+          <a:srcRect/>
           <a:stretch>
             <a:fillRect/>
           </a:stretch>
         </p:blipFill>
-        <p:spPr>
+        <p:spPr bwMode="auto">
           <a:xfrm>
-            <a:off x="370320" y="1549896"/>
-            <a:ext cx="5418386" cy="3758207"/>
+            <a:off x="803111" y="1261160"/>
+            <a:ext cx="4335680" cy="4335680"/>
           </a:xfrm>
           <a:prstGeom prst="rect">
             <a:avLst/>
           </a:prstGeom>
+          <a:noFill/>
           <a:ln w="12700">
             <a:solidFill>
               <a:schemeClr val="tx1"/>
             </a:solidFill>
           </a:ln>
+          <a:extLst>
+            <a:ext uri="{909E8E84-426E-40DD-AFC4-6F175D3DCCD1}">
+              <a14:hiddenFill xmlns:a14="http://schemas.microsoft.com/office/drawing/2010/main">
+                <a:solidFill>
+                  <a:srgbClr val="FFFFFF"/>
+                </a:solidFill>
+              </a14:hiddenFill>
+            </a:ext>
+          </a:extLst>
         </p:spPr>
       </p:pic>
     </p:spTree>
     <p:extLst>
       <p:ext uri="{BB962C8B-B14F-4D97-AF65-F5344CB8AC3E}">
-        <p14:creationId xmlns:p14="http://schemas.microsoft.com/office/powerpoint/2010/main" val="3558414964"/>
+        <p14:creationId xmlns:p14="http://schemas.microsoft.com/office/powerpoint/2010/main" val="3421979567"/>
       </p:ext>
     </p:extLst>
   </p:cSld>
@@ -9232,7 +9169,7 @@
         </p:spPr>
         <p:txBody>
           <a:bodyPr>
-            <a:normAutofit/>
+            <a:normAutofit fontScale="92500"/>
           </a:bodyPr>
           <a:lstStyle/>
           <a:p>
@@ -9242,69 +9179,203 @@
             </a:pPr>
             <a:r>
               <a:rPr lang="es-ES" dirty="0"/>
-              <a:t>Siguiendo los pasos que el propio Jenkins nos indica, podemos obtener el password inicial de la herramienta haciendo:</a:t>
-            </a:r>
-          </a:p>
-          <a:p>
-            <a:pPr marL="742950" lvl="1" indent="-285750" algn="just">
+              <a:t>Para instalar Jenkins, conectados por SSH a nuestra máquina, ejecutaremos la siguiente cadena de comandos:</a:t>
+            </a:r>
+          </a:p>
+          <a:p>
+            <a:pPr marL="742950" lvl="1" indent="-285750">
               <a:buFontTx/>
               <a:buChar char="-"/>
             </a:pPr>
             <a:r>
-              <a:rPr lang="es-ES" sz="1400" i="1" dirty="0" err="1"/>
-              <a:t>cat</a:t>
-            </a:r>
-            <a:r>
-              <a:rPr lang="es-ES" sz="1400" i="1" dirty="0"/>
-              <a:t> /</a:t>
-            </a:r>
-            <a:r>
-              <a:rPr lang="es-ES" sz="1400" i="1" dirty="0" err="1"/>
-              <a:t>var</a:t>
-            </a:r>
-            <a:r>
-              <a:rPr lang="es-ES" sz="1400" i="1" dirty="0"/>
-              <a:t>/</a:t>
-            </a:r>
-            <a:r>
-              <a:rPr lang="es-ES" sz="1400" i="1" dirty="0" err="1"/>
-              <a:t>lib</a:t>
-            </a:r>
-            <a:r>
-              <a:rPr lang="es-ES" sz="1400" i="1" dirty="0"/>
-              <a:t>/jenkins/</a:t>
-            </a:r>
-            <a:r>
-              <a:rPr lang="es-ES" sz="1400" i="1" dirty="0" err="1"/>
-              <a:t>secrets</a:t>
-            </a:r>
-            <a:r>
-              <a:rPr lang="es-ES" sz="1400" i="1" dirty="0"/>
-              <a:t>/</a:t>
-            </a:r>
-            <a:r>
-              <a:rPr lang="es-ES" sz="1400" i="1" dirty="0" err="1"/>
-              <a:t>initialAdminPassword</a:t>
-            </a:r>
-            <a:endParaRPr lang="es-ES" sz="1400" i="1" dirty="0"/>
-          </a:p>
-          <a:p>
-            <a:pPr marL="742950" lvl="1" indent="-285750" algn="just">
+              <a:rPr lang="en-US" sz="1400" i="1" dirty="0"/>
+              <a:t>sudo wget -O /</a:t>
+            </a:r>
+            <a:r>
+              <a:rPr lang="en-US" sz="1400" i="1" dirty="0" err="1"/>
+              <a:t>etc</a:t>
+            </a:r>
+            <a:r>
+              <a:rPr lang="en-US" sz="1400" i="1" dirty="0"/>
+              <a:t>/yum.repos.d/</a:t>
+            </a:r>
+            <a:r>
+              <a:rPr lang="en-US" sz="1400" i="1" dirty="0" err="1"/>
+              <a:t>jenkins.repo</a:t>
+            </a:r>
+            <a:r>
+              <a:rPr lang="en-US" sz="1400" i="1" dirty="0"/>
+              <a:t> </a:t>
+            </a:r>
+            <a:r>
+              <a:rPr lang="en-US" sz="1400" i="1" dirty="0">
+                <a:hlinkClick r:id="rId2"/>
+              </a:rPr>
+              <a:t>https://pkg.jenkins.io/redhat/jenkins.repo</a:t>
+            </a:r>
+            <a:endParaRPr lang="en-US" sz="1400" i="1" dirty="0"/>
+          </a:p>
+          <a:p>
+            <a:pPr marL="742950" lvl="1" indent="-285750">
               <a:buFontTx/>
               <a:buChar char="-"/>
             </a:pPr>
-            <a:endParaRPr lang="es-ES" sz="1400" i="1" dirty="0"/>
-          </a:p>
-          <a:p>
-            <a:pPr marL="285750" indent="-285750" algn="just">
+            <a:r>
+              <a:rPr lang="en-US" sz="1400" i="1" dirty="0"/>
+              <a:t>sudo rpm --import </a:t>
+            </a:r>
+            <a:r>
+              <a:rPr lang="en-US" sz="1400" i="1" dirty="0">
+                <a:hlinkClick r:id="rId3"/>
+              </a:rPr>
+              <a:t>https://pkg.jenkins.io/redhat/jenkins.io.key</a:t>
+            </a:r>
+            <a:endParaRPr lang="en-US" sz="1400" i="1" dirty="0"/>
+          </a:p>
+          <a:p>
+            <a:pPr marL="742950" lvl="1" indent="-285750">
               <a:buFontTx/>
               <a:buChar char="-"/>
             </a:pPr>
             <a:r>
-              <a:rPr lang="es-ES" sz="1400" dirty="0"/>
-              <a:t>Si todo va bien, obtendremos el resultado de la imagen</a:t>
-            </a:r>
+              <a:rPr lang="en-US" sz="1400" i="1" dirty="0"/>
+              <a:t>sudo yum install jenkins java-1.8.0-openjdk-devel git –y</a:t>
+            </a:r>
+          </a:p>
+          <a:p>
+            <a:pPr marL="742950" lvl="1" indent="-285750">
+              <a:buFontTx/>
+              <a:buChar char="-"/>
+            </a:pPr>
+            <a:r>
+              <a:rPr lang="en-US" sz="1400" i="1" dirty="0"/>
+              <a:t>sudo systemctl enable jenkins &amp;&amp; systemctl restart jenkins</a:t>
+            </a:r>
+          </a:p>
+          <a:p>
+            <a:pPr marL="742950" lvl="1" indent="-285750">
+              <a:buFontTx/>
+              <a:buChar char="-"/>
+            </a:pPr>
             <a:endParaRPr lang="en-US" sz="1400" dirty="0"/>
+          </a:p>
+          <a:p>
+            <a:pPr marL="285750" indent="-285750">
+              <a:buFontTx/>
+              <a:buChar char="-"/>
+            </a:pPr>
+            <a:r>
+              <a:rPr lang="en-US" sz="1400" dirty="0"/>
+              <a:t>Podemos </a:t>
+            </a:r>
+            <a:r>
+              <a:rPr lang="en-US" sz="1400" dirty="0" err="1"/>
+              <a:t>ver</a:t>
+            </a:r>
+            <a:r>
+              <a:rPr lang="en-US" sz="1400" dirty="0"/>
+              <a:t> que la </a:t>
+            </a:r>
+            <a:r>
+              <a:rPr lang="en-US" sz="1400" dirty="0" err="1"/>
+              <a:t>instalación</a:t>
+            </a:r>
+            <a:r>
+              <a:rPr lang="en-US" sz="1400" dirty="0"/>
+              <a:t> se ha </a:t>
+            </a:r>
+            <a:r>
+              <a:rPr lang="en-US" sz="1400" dirty="0" err="1"/>
+              <a:t>completado</a:t>
+            </a:r>
+            <a:r>
+              <a:rPr lang="en-US" sz="1400" dirty="0"/>
+              <a:t> </a:t>
+            </a:r>
+            <a:r>
+              <a:rPr lang="en-US" sz="1400" dirty="0" err="1"/>
+              <a:t>correctamente</a:t>
+            </a:r>
+            <a:r>
+              <a:rPr lang="en-US" sz="1400" dirty="0"/>
+              <a:t> hacienda </a:t>
+            </a:r>
+            <a:r>
+              <a:rPr lang="en-US" sz="1400" dirty="0" err="1"/>
+              <a:t>desde</a:t>
+            </a:r>
+            <a:r>
+              <a:rPr lang="en-US" sz="1400" dirty="0"/>
+              <a:t> la </a:t>
+            </a:r>
+            <a:r>
+              <a:rPr lang="en-US" sz="1400" dirty="0" err="1"/>
+              <a:t>consola</a:t>
+            </a:r>
+            <a:r>
+              <a:rPr lang="en-US" sz="1400" dirty="0"/>
+              <a:t>:</a:t>
+            </a:r>
+          </a:p>
+          <a:p>
+            <a:pPr marL="742950" lvl="1" indent="-285750">
+              <a:buFontTx/>
+              <a:buChar char="-"/>
+            </a:pPr>
+            <a:r>
+              <a:rPr lang="en-US" sz="1400" i="1" dirty="0"/>
+              <a:t>curl localhost:8080</a:t>
+            </a:r>
+          </a:p>
+          <a:p>
+            <a:pPr marL="285750" indent="-285750">
+              <a:buFontTx/>
+              <a:buChar char="-"/>
+            </a:pPr>
+            <a:r>
+              <a:rPr lang="en-US" sz="1400" dirty="0"/>
+              <a:t>O bien </a:t>
+            </a:r>
+            <a:r>
+              <a:rPr lang="en-US" sz="1400" dirty="0" err="1"/>
+              <a:t>accediendo</a:t>
+            </a:r>
+            <a:r>
+              <a:rPr lang="en-US" sz="1400" dirty="0"/>
+              <a:t> a </a:t>
+            </a:r>
+            <a:r>
+              <a:rPr lang="en-US" sz="1400" i="1" dirty="0"/>
+              <a:t>localhost:8080</a:t>
+            </a:r>
+            <a:r>
+              <a:rPr lang="en-US" sz="1400" dirty="0"/>
+              <a:t> </a:t>
+            </a:r>
+            <a:r>
+              <a:rPr lang="en-US" sz="1400" dirty="0" err="1"/>
+              <a:t>desde</a:t>
+            </a:r>
+            <a:r>
+              <a:rPr lang="en-US" sz="1400" dirty="0"/>
+              <a:t> el </a:t>
+            </a:r>
+            <a:r>
+              <a:rPr lang="en-US" sz="1400" dirty="0" err="1"/>
+              <a:t>navegador</a:t>
+            </a:r>
+            <a:r>
+              <a:rPr lang="en-US" sz="1400" dirty="0"/>
+              <a:t> de la </a:t>
+            </a:r>
+            <a:r>
+              <a:rPr lang="en-US" sz="1400" dirty="0" err="1"/>
+              <a:t>máquina</a:t>
+            </a:r>
+            <a:r>
+              <a:rPr lang="en-US" sz="1400" dirty="0"/>
+              <a:t> host</a:t>
+            </a:r>
           </a:p>
         </p:txBody>
       </p:sp>
@@ -9340,10 +9411,10 @@
       </p:sp>
       <p:pic>
         <p:nvPicPr>
-          <p:cNvPr id="11" name="Imagen 10">
-            <a:extLst>
-              <a:ext uri="{FF2B5EF4-FFF2-40B4-BE49-F238E27FC236}">
-                <a16:creationId xmlns:a16="http://schemas.microsoft.com/office/drawing/2014/main" id="{4B729823-A25E-40D4-B7D1-630B532E0396}"/>
+          <p:cNvPr id="8" name="Imagen 7">
+            <a:extLst>
+              <a:ext uri="{FF2B5EF4-FFF2-40B4-BE49-F238E27FC236}">
+                <a16:creationId xmlns:a16="http://schemas.microsoft.com/office/drawing/2014/main" id="{18339729-BABE-4A44-B5E6-DE81A9A33A9A}"/>
               </a:ext>
             </a:extLst>
           </p:cNvPr>
@@ -9353,15 +9424,15 @@
           <p:nvPr/>
         </p:nvPicPr>
         <p:blipFill>
-          <a:blip r:embed="rId2"/>
+          <a:blip r:embed="rId4"/>
           <a:stretch>
             <a:fillRect/>
           </a:stretch>
         </p:blipFill>
         <p:spPr>
           <a:xfrm>
-            <a:off x="547041" y="1477005"/>
-            <a:ext cx="5126082" cy="3650950"/>
+            <a:off x="370320" y="1549896"/>
+            <a:ext cx="5418386" cy="3758207"/>
           </a:xfrm>
           <a:prstGeom prst="rect">
             <a:avLst/>
@@ -9376,7 +9447,7 @@
     </p:spTree>
     <p:extLst>
       <p:ext uri="{BB962C8B-B14F-4D97-AF65-F5344CB8AC3E}">
-        <p14:creationId xmlns:p14="http://schemas.microsoft.com/office/powerpoint/2010/main" val="252526250"/>
+        <p14:creationId xmlns:p14="http://schemas.microsoft.com/office/powerpoint/2010/main" val="3558414964"/>
       </p:ext>
     </p:extLst>
   </p:cSld>
@@ -9435,66 +9506,24 @@
       </p:sp>
       <p:sp>
         <p:nvSpPr>
-          <p:cNvPr id="4" name="Título 3">
-            <a:extLst>
-              <a:ext uri="{FF2B5EF4-FFF2-40B4-BE49-F238E27FC236}">
-                <a16:creationId xmlns:a16="http://schemas.microsoft.com/office/drawing/2014/main" id="{4E333C21-C25F-410C-82F6-9F9B51A96715}"/>
-              </a:ext>
-            </a:extLst>
-          </p:cNvPr>
-          <p:cNvSpPr>
-            <a:spLocks noGrp="1"/>
-          </p:cNvSpPr>
-          <p:nvPr>
-            <p:ph type="title"/>
+          <p:cNvPr id="5" name="Marcador de contenido 4">
+            <a:extLst>
+              <a:ext uri="{FF2B5EF4-FFF2-40B4-BE49-F238E27FC236}">
+                <a16:creationId xmlns:a16="http://schemas.microsoft.com/office/drawing/2014/main" id="{8D603722-7CA9-4905-99B6-55FC18A25096}"/>
+              </a:ext>
+            </a:extLst>
+          </p:cNvPr>
+          <p:cNvSpPr>
+            <a:spLocks noGrp="1"/>
+          </p:cNvSpPr>
+          <p:nvPr>
+            <p:ph idx="1"/>
           </p:nvPr>
         </p:nvSpPr>
         <p:spPr>
           <a:xfrm>
-            <a:off x="6600179" y="1789551"/>
-            <a:ext cx="4335680" cy="549189"/>
-          </a:xfrm>
-        </p:spPr>
-        <p:txBody>
-          <a:bodyPr>
-            <a:normAutofit fontScale="90000"/>
-          </a:bodyPr>
-          <a:lstStyle/>
-          <a:p>
-            <a:r>
-              <a:rPr lang="es-ES" sz="2400" dirty="0"/>
-              <a:t>Práctica 12: Instalación y configuración de VSCode</a:t>
-            </a:r>
-            <a:br>
-              <a:rPr lang="es-ES" sz="2400" dirty="0"/>
-            </a:br>
-            <a:r>
-              <a:rPr lang="es-ES" sz="2400" dirty="0"/>
-              <a:t>(15 min)</a:t>
-            </a:r>
-          </a:p>
-        </p:txBody>
-      </p:sp>
-      <p:sp>
-        <p:nvSpPr>
-          <p:cNvPr id="5" name="Marcador de contenido 4">
-            <a:extLst>
-              <a:ext uri="{FF2B5EF4-FFF2-40B4-BE49-F238E27FC236}">
-                <a16:creationId xmlns:a16="http://schemas.microsoft.com/office/drawing/2014/main" id="{8D603722-7CA9-4905-99B6-55FC18A25096}"/>
-              </a:ext>
-            </a:extLst>
-          </p:cNvPr>
-          <p:cNvSpPr>
-            <a:spLocks noGrp="1"/>
-          </p:cNvSpPr>
-          <p:nvPr>
-            <p:ph idx="1"/>
-          </p:nvPr>
-        </p:nvSpPr>
-        <p:spPr>
-          <a:xfrm>
-            <a:off x="6238229" y="2722301"/>
-            <a:ext cx="5591821" cy="3634049"/>
+            <a:off x="6238229" y="1477005"/>
+            <a:ext cx="5699327" cy="4879345"/>
           </a:xfrm>
         </p:spPr>
         <p:txBody>
@@ -9509,8 +9538,69 @@
             </a:pPr>
             <a:r>
               <a:rPr lang="es-ES" dirty="0"/>
-              <a:t>Aunque la elección del IDE (integrated development environment) es una decisión que se suele dejar a criterio del desarrollador, para estas prácticas es necesario un IDE que sea capaz de conectarse remotamente mediante SSH de una forma rápida e intuitiva, por lo que aconsejamos encarecidamente el uso de Virtual Studio Code</a:t>
-            </a:r>
+              <a:t>Siguiendo los pasos que el propio Jenkins nos indica, podemos obtener el password inicial de la herramienta haciendo:</a:t>
+            </a:r>
+          </a:p>
+          <a:p>
+            <a:pPr marL="742950" lvl="1" indent="-285750" algn="just">
+              <a:buFontTx/>
+              <a:buChar char="-"/>
+            </a:pPr>
+            <a:r>
+              <a:rPr lang="es-ES" sz="1400" i="1" dirty="0" err="1"/>
+              <a:t>cat</a:t>
+            </a:r>
+            <a:r>
+              <a:rPr lang="es-ES" sz="1400" i="1" dirty="0"/>
+              <a:t> /</a:t>
+            </a:r>
+            <a:r>
+              <a:rPr lang="es-ES" sz="1400" i="1" dirty="0" err="1"/>
+              <a:t>var</a:t>
+            </a:r>
+            <a:r>
+              <a:rPr lang="es-ES" sz="1400" i="1" dirty="0"/>
+              <a:t>/</a:t>
+            </a:r>
+            <a:r>
+              <a:rPr lang="es-ES" sz="1400" i="1" dirty="0" err="1"/>
+              <a:t>lib</a:t>
+            </a:r>
+            <a:r>
+              <a:rPr lang="es-ES" sz="1400" i="1" dirty="0"/>
+              <a:t>/jenkins/</a:t>
+            </a:r>
+            <a:r>
+              <a:rPr lang="es-ES" sz="1400" i="1" dirty="0" err="1"/>
+              <a:t>secrets</a:t>
+            </a:r>
+            <a:r>
+              <a:rPr lang="es-ES" sz="1400" i="1" dirty="0"/>
+              <a:t>/</a:t>
+            </a:r>
+            <a:r>
+              <a:rPr lang="es-ES" sz="1400" i="1" dirty="0" err="1"/>
+              <a:t>initialAdminPassword</a:t>
+            </a:r>
+            <a:endParaRPr lang="es-ES" sz="1400" i="1" dirty="0"/>
+          </a:p>
+          <a:p>
+            <a:pPr marL="742950" lvl="1" indent="-285750" algn="just">
+              <a:buFontTx/>
+              <a:buChar char="-"/>
+            </a:pPr>
+            <a:endParaRPr lang="es-ES" sz="1400" i="1" dirty="0"/>
+          </a:p>
+          <a:p>
+            <a:pPr marL="285750" indent="-285750" algn="just">
+              <a:buFontTx/>
+              <a:buChar char="-"/>
+            </a:pPr>
+            <a:r>
+              <a:rPr lang="es-ES" sz="1400" dirty="0"/>
+              <a:t>Si todo va bien, obtendremos el resultado de la imagen</a:t>
+            </a:r>
+            <a:endParaRPr lang="en-US" sz="1400" dirty="0"/>
           </a:p>
         </p:txBody>
       </p:sp>
@@ -9539,67 +9629,50 @@
           <a:p>
             <a:r>
               <a:rPr lang="ca-ES" dirty="0"/>
-              <a:t>12.1</a:t>
+              <a:t>11.1</a:t>
             </a:r>
           </a:p>
         </p:txBody>
       </p:sp>
       <p:pic>
         <p:nvPicPr>
-          <p:cNvPr id="1026" name="Picture 2" descr="Visual Studio Code / .NET é magnifico | by Junior Porfirio | Medium">
-            <a:extLst>
-              <a:ext uri="{FF2B5EF4-FFF2-40B4-BE49-F238E27FC236}">
-                <a16:creationId xmlns:a16="http://schemas.microsoft.com/office/drawing/2014/main" id="{0A7A2ED0-43A3-444C-ADA6-CCFD54F1E7BC}"/>
+          <p:cNvPr id="11" name="Imagen 10">
+            <a:extLst>
+              <a:ext uri="{FF2B5EF4-FFF2-40B4-BE49-F238E27FC236}">
+                <a16:creationId xmlns:a16="http://schemas.microsoft.com/office/drawing/2014/main" id="{4B729823-A25E-40D4-B7D1-630B532E0396}"/>
               </a:ext>
             </a:extLst>
           </p:cNvPr>
           <p:cNvPicPr>
-            <a:picLocks noChangeAspect="1" noChangeArrowheads="1"/>
+            <a:picLocks noChangeAspect="1"/>
           </p:cNvPicPr>
           <p:nvPr/>
         </p:nvPicPr>
         <p:blipFill>
-          <a:blip r:embed="rId2">
-            <a:extLst>
-              <a:ext uri="{28A0092B-C50C-407E-A947-70E740481C1C}">
-                <a14:useLocalDpi xmlns:a14="http://schemas.microsoft.com/office/drawing/2010/main" val="0"/>
-              </a:ext>
-            </a:extLst>
-          </a:blip>
-          <a:srcRect/>
+          <a:blip r:embed="rId2"/>
           <a:stretch>
             <a:fillRect/>
           </a:stretch>
         </p:blipFill>
-        <p:spPr bwMode="auto">
+        <p:spPr>
           <a:xfrm>
-            <a:off x="1010376" y="1355957"/>
-            <a:ext cx="4146085" cy="4146085"/>
+            <a:off x="547041" y="1477005"/>
+            <a:ext cx="5126082" cy="3650950"/>
           </a:xfrm>
           <a:prstGeom prst="rect">
             <a:avLst/>
           </a:prstGeom>
-          <a:noFill/>
           <a:ln w="12700">
             <a:solidFill>
               <a:schemeClr val="tx1"/>
             </a:solidFill>
           </a:ln>
-          <a:extLst>
-            <a:ext uri="{909E8E84-426E-40DD-AFC4-6F175D3DCCD1}">
-              <a14:hiddenFill xmlns:a14="http://schemas.microsoft.com/office/drawing/2010/main">
-                <a:solidFill>
-                  <a:srgbClr val="FFFFFF"/>
-                </a:solidFill>
-              </a14:hiddenFill>
-            </a:ext>
-          </a:extLst>
         </p:spPr>
       </p:pic>
     </p:spTree>
     <p:extLst>
       <p:ext uri="{BB962C8B-B14F-4D97-AF65-F5344CB8AC3E}">
-        <p14:creationId xmlns:p14="http://schemas.microsoft.com/office/powerpoint/2010/main" val="108881418"/>
+        <p14:creationId xmlns:p14="http://schemas.microsoft.com/office/powerpoint/2010/main" val="252526250"/>
       </p:ext>
     </p:extLst>
   </p:cSld>
@@ -9658,24 +9731,66 @@
       </p:sp>
       <p:sp>
         <p:nvSpPr>
-          <p:cNvPr id="5" name="Marcador de contenido 4">
-            <a:extLst>
-              <a:ext uri="{FF2B5EF4-FFF2-40B4-BE49-F238E27FC236}">
-                <a16:creationId xmlns:a16="http://schemas.microsoft.com/office/drawing/2014/main" id="{8D603722-7CA9-4905-99B6-55FC18A25096}"/>
-              </a:ext>
-            </a:extLst>
-          </p:cNvPr>
-          <p:cNvSpPr>
-            <a:spLocks noGrp="1"/>
-          </p:cNvSpPr>
-          <p:nvPr>
-            <p:ph idx="1"/>
+          <p:cNvPr id="4" name="Título 3">
+            <a:extLst>
+              <a:ext uri="{FF2B5EF4-FFF2-40B4-BE49-F238E27FC236}">
+                <a16:creationId xmlns:a16="http://schemas.microsoft.com/office/drawing/2014/main" id="{4E333C21-C25F-410C-82F6-9F9B51A96715}"/>
+              </a:ext>
+            </a:extLst>
+          </p:cNvPr>
+          <p:cNvSpPr>
+            <a:spLocks noGrp="1"/>
+          </p:cNvSpPr>
+          <p:nvPr>
+            <p:ph type="title"/>
           </p:nvPr>
         </p:nvSpPr>
         <p:spPr>
           <a:xfrm>
-            <a:off x="6238229" y="1477005"/>
-            <a:ext cx="5699327" cy="4879345"/>
+            <a:off x="6600179" y="1789551"/>
+            <a:ext cx="4335680" cy="549189"/>
+          </a:xfrm>
+        </p:spPr>
+        <p:txBody>
+          <a:bodyPr>
+            <a:normAutofit fontScale="90000"/>
+          </a:bodyPr>
+          <a:lstStyle/>
+          <a:p>
+            <a:r>
+              <a:rPr lang="es-ES" sz="2400" dirty="0"/>
+              <a:t>Práctica 12: Instalación y configuración de VSCode</a:t>
+            </a:r>
+            <a:br>
+              <a:rPr lang="es-ES" sz="2400" dirty="0"/>
+            </a:br>
+            <a:r>
+              <a:rPr lang="es-ES" sz="2400" dirty="0"/>
+              <a:t>(15 min)</a:t>
+            </a:r>
+          </a:p>
+        </p:txBody>
+      </p:sp>
+      <p:sp>
+        <p:nvSpPr>
+          <p:cNvPr id="5" name="Marcador de contenido 4">
+            <a:extLst>
+              <a:ext uri="{FF2B5EF4-FFF2-40B4-BE49-F238E27FC236}">
+                <a16:creationId xmlns:a16="http://schemas.microsoft.com/office/drawing/2014/main" id="{8D603722-7CA9-4905-99B6-55FC18A25096}"/>
+              </a:ext>
+            </a:extLst>
+          </p:cNvPr>
+          <p:cNvSpPr>
+            <a:spLocks noGrp="1"/>
+          </p:cNvSpPr>
+          <p:nvPr>
+            <p:ph idx="1"/>
+          </p:nvPr>
+        </p:nvSpPr>
+        <p:spPr>
+          <a:xfrm>
+            <a:off x="6238229" y="2722301"/>
+            <a:ext cx="5591821" cy="3634049"/>
           </a:xfrm>
         </p:spPr>
         <p:txBody>
@@ -9690,379 +9805,8 @@
             </a:pPr>
             <a:r>
               <a:rPr lang="es-ES" dirty="0"/>
-              <a:t>Obtendremos el binario desde la URL oficial de Microsoft:</a:t>
-            </a:r>
-          </a:p>
-          <a:p>
-            <a:pPr lvl="1" algn="just"/>
-            <a:r>
-              <a:rPr lang="en-US" sz="1400" dirty="0">
-                <a:hlinkClick r:id="rId2"/>
-              </a:rPr>
-              <a:t>https://code.visualstudio.com/download</a:t>
-            </a:r>
-            <a:endParaRPr lang="en-US" sz="1400" dirty="0"/>
-          </a:p>
-          <a:p>
-            <a:pPr marL="285750" indent="-285750" algn="just">
-              <a:buFontTx/>
-              <a:buChar char="-"/>
-            </a:pPr>
-            <a:r>
-              <a:rPr lang="en-US" sz="1400" dirty="0"/>
-              <a:t>Una </a:t>
-            </a:r>
-            <a:r>
-              <a:rPr lang="en-US" sz="1400" dirty="0" err="1"/>
-              <a:t>vez</a:t>
-            </a:r>
-            <a:r>
-              <a:rPr lang="en-US" sz="1400" dirty="0"/>
-              <a:t> </a:t>
-            </a:r>
-            <a:r>
-              <a:rPr lang="en-US" sz="1400" dirty="0" err="1"/>
-              <a:t>instalado</a:t>
-            </a:r>
-            <a:r>
-              <a:rPr lang="en-US" sz="1400" dirty="0"/>
-              <a:t>, </a:t>
-            </a:r>
-            <a:r>
-              <a:rPr lang="en-US" sz="1400" dirty="0" err="1"/>
-              <a:t>procederemos</a:t>
-            </a:r>
-            <a:r>
-              <a:rPr lang="en-US" sz="1400" dirty="0"/>
-              <a:t> a </a:t>
-            </a:r>
-            <a:r>
-              <a:rPr lang="en-US" sz="1400" dirty="0" err="1"/>
-              <a:t>instalar</a:t>
-            </a:r>
-            <a:r>
-              <a:rPr lang="en-US" sz="1400" dirty="0"/>
-              <a:t> el plugin que </a:t>
-            </a:r>
-            <a:r>
-              <a:rPr lang="en-US" sz="1400" dirty="0" err="1"/>
-              <a:t>nos</a:t>
-            </a:r>
-            <a:r>
-              <a:rPr lang="en-US" sz="1400" dirty="0"/>
-              <a:t> </a:t>
-            </a:r>
-            <a:r>
-              <a:rPr lang="en-US" sz="1400" dirty="0" err="1"/>
-              <a:t>pemitirá</a:t>
-            </a:r>
-            <a:r>
-              <a:rPr lang="en-US" sz="1400" dirty="0"/>
-              <a:t> </a:t>
-            </a:r>
-            <a:r>
-              <a:rPr lang="en-US" sz="1400" dirty="0" err="1"/>
-              <a:t>conectarnos</a:t>
-            </a:r>
-            <a:r>
-              <a:rPr lang="en-US" sz="1400" dirty="0"/>
-              <a:t> a </a:t>
-            </a:r>
-            <a:r>
-              <a:rPr lang="en-US" sz="1400" dirty="0" err="1"/>
-              <a:t>nuestra</a:t>
-            </a:r>
-            <a:r>
-              <a:rPr lang="en-US" sz="1400" dirty="0"/>
-              <a:t> </a:t>
-            </a:r>
-            <a:r>
-              <a:rPr lang="en-US" sz="1400" dirty="0" err="1"/>
-              <a:t>máquina</a:t>
-            </a:r>
-            <a:r>
-              <a:rPr lang="en-US" sz="1400" dirty="0"/>
-              <a:t> virtual. Para </a:t>
-            </a:r>
-            <a:r>
-              <a:rPr lang="en-US" sz="1400" dirty="0" err="1"/>
-              <a:t>hacerlo</a:t>
-            </a:r>
-            <a:r>
-              <a:rPr lang="en-US" sz="1400" dirty="0"/>
-              <a:t>, </a:t>
-            </a:r>
-            <a:r>
-              <a:rPr lang="en-US" sz="1400" dirty="0" err="1"/>
-              <a:t>iremos</a:t>
-            </a:r>
-            <a:r>
-              <a:rPr lang="en-US" sz="1400" dirty="0"/>
-              <a:t> a la </a:t>
-            </a:r>
-            <a:r>
-              <a:rPr lang="en-US" sz="1400" dirty="0" err="1"/>
-              <a:t>pestaña</a:t>
-            </a:r>
-            <a:r>
-              <a:rPr lang="en-US" sz="1400" dirty="0"/>
-              <a:t> de plugins y </a:t>
-            </a:r>
-            <a:r>
-              <a:rPr lang="en-US" sz="1400" dirty="0" err="1"/>
-              <a:t>escribiremos</a:t>
-            </a:r>
-            <a:r>
-              <a:rPr lang="en-US" sz="1400" dirty="0"/>
-              <a:t> </a:t>
-            </a:r>
-            <a:r>
-              <a:rPr lang="en-US" sz="1400" i="1" dirty="0"/>
-              <a:t>‘Remote SSH’</a:t>
-            </a:r>
-            <a:r>
-              <a:rPr lang="en-US" sz="1400" dirty="0"/>
-              <a:t> </a:t>
-            </a:r>
-            <a:r>
-              <a:rPr lang="en-US" sz="1400" dirty="0" err="1"/>
-              <a:t>luego</a:t>
-            </a:r>
-            <a:r>
-              <a:rPr lang="en-US" sz="1400" dirty="0"/>
-              <a:t> </a:t>
-            </a:r>
-            <a:r>
-              <a:rPr lang="en-US" sz="1400" dirty="0" err="1"/>
-              <a:t>presionamos</a:t>
-            </a:r>
-            <a:r>
-              <a:rPr lang="en-US" sz="1400" dirty="0"/>
-              <a:t> </a:t>
-            </a:r>
-            <a:r>
-              <a:rPr lang="en-US" sz="1400" i="1" dirty="0"/>
-              <a:t>install</a:t>
-            </a:r>
-          </a:p>
-          <a:p>
-            <a:pPr marL="285750" indent="-285750" algn="just">
-              <a:buFontTx/>
-              <a:buChar char="-"/>
-            </a:pPr>
-            <a:r>
-              <a:rPr lang="en-US" sz="1400" dirty="0" err="1"/>
-              <a:t>Accedemos</a:t>
-            </a:r>
-            <a:r>
-              <a:rPr lang="en-US" sz="1400" dirty="0"/>
-              <a:t> a la </a:t>
-            </a:r>
-            <a:r>
-              <a:rPr lang="en-US" sz="1400" dirty="0" err="1"/>
-              <a:t>pestaña</a:t>
-            </a:r>
-            <a:r>
-              <a:rPr lang="en-US" sz="1400" dirty="0"/>
-              <a:t> de los </a:t>
-            </a:r>
-            <a:r>
-              <a:rPr lang="en-US" sz="1400" dirty="0" err="1"/>
-              <a:t>exploradores</a:t>
-            </a:r>
-            <a:r>
-              <a:rPr lang="en-US" sz="1400" dirty="0"/>
-              <a:t> </a:t>
-            </a:r>
-            <a:r>
-              <a:rPr lang="en-US" sz="1400" dirty="0" err="1"/>
-              <a:t>remotos</a:t>
-            </a:r>
-            <a:r>
-              <a:rPr lang="en-US" sz="1400" dirty="0"/>
-              <a:t> </a:t>
-            </a:r>
-            <a:r>
-              <a:rPr lang="en-US" sz="1400" dirty="0" err="1"/>
-              <a:t>en</a:t>
-            </a:r>
-            <a:r>
-              <a:rPr lang="en-US" sz="1400" dirty="0"/>
-              <a:t> la </a:t>
-            </a:r>
-            <a:r>
-              <a:rPr lang="en-US" sz="1400" dirty="0" err="1"/>
-              <a:t>izquierda</a:t>
-            </a:r>
-            <a:r>
-              <a:rPr lang="en-US" sz="1400" dirty="0"/>
-              <a:t>, dentro del </a:t>
-            </a:r>
-            <a:r>
-              <a:rPr lang="en-US" sz="1400" dirty="0" err="1"/>
-              <a:t>subgrupo</a:t>
-            </a:r>
-            <a:r>
-              <a:rPr lang="en-US" sz="1400" dirty="0"/>
-              <a:t> de </a:t>
-            </a:r>
-            <a:r>
-              <a:rPr lang="en-US" sz="1400" i="1" dirty="0"/>
-              <a:t>‘</a:t>
-            </a:r>
-            <a:r>
-              <a:rPr lang="en-US" sz="1400" i="1" dirty="0" err="1"/>
-              <a:t>ssh</a:t>
-            </a:r>
-            <a:r>
-              <a:rPr lang="en-US" sz="1400" i="1" dirty="0"/>
-              <a:t> targets’</a:t>
-            </a:r>
-          </a:p>
-          <a:p>
-            <a:pPr marL="285750" indent="-285750" algn="just">
-              <a:buFontTx/>
-              <a:buChar char="-"/>
-            </a:pPr>
-            <a:r>
-              <a:rPr lang="en-US" sz="1400" dirty="0" err="1"/>
-              <a:t>Apretamos</a:t>
-            </a:r>
-            <a:r>
-              <a:rPr lang="en-US" sz="1400" dirty="0"/>
-              <a:t> el </a:t>
-            </a:r>
-            <a:r>
-              <a:rPr lang="en-US" sz="1400" dirty="0" err="1"/>
-              <a:t>botón</a:t>
-            </a:r>
-            <a:r>
-              <a:rPr lang="en-US" sz="1400" dirty="0"/>
-              <a:t> con </a:t>
-            </a:r>
-            <a:r>
-              <a:rPr lang="en-US" sz="1400" dirty="0" err="1"/>
-              <a:t>signo</a:t>
-            </a:r>
-            <a:r>
-              <a:rPr lang="en-US" sz="1400" dirty="0"/>
-              <a:t> </a:t>
-            </a:r>
-            <a:r>
-              <a:rPr lang="en-US" sz="1400" dirty="0" err="1"/>
-              <a:t>suma</a:t>
-            </a:r>
-            <a:r>
-              <a:rPr lang="en-US" sz="1400" dirty="0"/>
-              <a:t> (+) para </a:t>
-            </a:r>
-            <a:r>
-              <a:rPr lang="en-US" sz="1400" dirty="0" err="1"/>
-              <a:t>añadir</a:t>
-            </a:r>
-            <a:r>
-              <a:rPr lang="en-US" sz="1400" dirty="0"/>
-              <a:t> una </a:t>
-            </a:r>
-            <a:r>
-              <a:rPr lang="en-US" sz="1400" dirty="0" err="1"/>
-              <a:t>nueva</a:t>
-            </a:r>
-            <a:r>
-              <a:rPr lang="en-US" sz="1400" dirty="0"/>
-              <a:t> </a:t>
-            </a:r>
-            <a:r>
-              <a:rPr lang="en-US" sz="1400" dirty="0" err="1"/>
-              <a:t>conexión</a:t>
-            </a:r>
-            <a:endParaRPr lang="en-US" sz="1400" dirty="0"/>
-          </a:p>
-          <a:p>
-            <a:pPr marL="285750" indent="-285750" algn="just">
-              <a:buFontTx/>
-              <a:buChar char="-"/>
-            </a:pPr>
-            <a:r>
-              <a:rPr lang="en-US" sz="1400" dirty="0" err="1"/>
-              <a:t>Introducimos</a:t>
-            </a:r>
-            <a:r>
-              <a:rPr lang="en-US" sz="1400" dirty="0"/>
-              <a:t> </a:t>
-            </a:r>
-            <a:r>
-              <a:rPr lang="en-US" sz="1400" i="1" dirty="0" err="1"/>
-              <a:t>ssh</a:t>
-            </a:r>
-            <a:r>
-              <a:rPr lang="en-US" sz="1400" i="1" dirty="0"/>
-              <a:t> </a:t>
-            </a:r>
-            <a:r>
-              <a:rPr lang="en-US" sz="1400" i="1" dirty="0" err="1"/>
-              <a:t>dev@localhost</a:t>
-            </a:r>
-            <a:r>
-              <a:rPr lang="en-US" sz="1400" i="1" dirty="0"/>
-              <a:t> -p 2222 </a:t>
-            </a:r>
-            <a:r>
-              <a:rPr lang="en-US" sz="1400" dirty="0" err="1"/>
-              <a:t>en</a:t>
-            </a:r>
-            <a:r>
-              <a:rPr lang="en-US" sz="1400" dirty="0"/>
-              <a:t> el input</a:t>
-            </a:r>
-          </a:p>
-          <a:p>
-            <a:pPr marL="285750" indent="-285750" algn="just">
-              <a:buFontTx/>
-              <a:buChar char="-"/>
-            </a:pPr>
-            <a:r>
-              <a:rPr lang="en-US" sz="1400" dirty="0" err="1"/>
-              <a:t>Introducimos</a:t>
-            </a:r>
-            <a:r>
-              <a:rPr lang="en-US" sz="1400" dirty="0"/>
-              <a:t> password </a:t>
-            </a:r>
-            <a:r>
-              <a:rPr lang="en-US" sz="1400" dirty="0" err="1"/>
-              <a:t>en</a:t>
-            </a:r>
-            <a:r>
-              <a:rPr lang="en-US" sz="1400" dirty="0"/>
-              <a:t> el </a:t>
-            </a:r>
-            <a:r>
-              <a:rPr lang="en-US" sz="1400" dirty="0" err="1"/>
-              <a:t>siguiente</a:t>
-            </a:r>
-            <a:r>
-              <a:rPr lang="en-US" sz="1400" dirty="0"/>
-              <a:t> input</a:t>
-            </a:r>
-          </a:p>
-          <a:p>
-            <a:pPr algn="just"/>
-            <a:endParaRPr lang="en-US" sz="1400" i="1" dirty="0"/>
-          </a:p>
-          <a:p>
-            <a:pPr marL="285750" indent="-285750" algn="just">
-              <a:buFontTx/>
-              <a:buChar char="-"/>
-            </a:pPr>
-            <a:endParaRPr lang="en-US" sz="1400" dirty="0"/>
-          </a:p>
-          <a:p>
-            <a:pPr marL="285750" indent="-285750" algn="just">
-              <a:buFontTx/>
-              <a:buChar char="-"/>
-            </a:pPr>
-            <a:endParaRPr lang="en-US" sz="1400" dirty="0"/>
+              <a:t>Aunque la elección del IDE (integrated development environment) es una decisión que se suele dejar a criterio del desarrollador, para estas prácticas es necesario un IDE que sea capaz de conectarse remotamente mediante SSH de una forma rápida e intuitiva, por lo que aconsejamos encarecidamente el uso de Virtual Studio Code</a:t>
+            </a:r>
           </a:p>
         </p:txBody>
       </p:sp>
@@ -10098,43 +9842,60 @@
       </p:sp>
       <p:pic>
         <p:nvPicPr>
-          <p:cNvPr id="4" name="Imagen 3">
-            <a:extLst>
-              <a:ext uri="{FF2B5EF4-FFF2-40B4-BE49-F238E27FC236}">
-                <a16:creationId xmlns:a16="http://schemas.microsoft.com/office/drawing/2014/main" id="{2F711657-BE03-4C2B-B082-1122698A34BD}"/>
+          <p:cNvPr id="1026" name="Picture 2" descr="Visual Studio Code / .NET é magnifico | by Junior Porfirio | Medium">
+            <a:extLst>
+              <a:ext uri="{FF2B5EF4-FFF2-40B4-BE49-F238E27FC236}">
+                <a16:creationId xmlns:a16="http://schemas.microsoft.com/office/drawing/2014/main" id="{0A7A2ED0-43A3-444C-ADA6-CCFD54F1E7BC}"/>
               </a:ext>
             </a:extLst>
           </p:cNvPr>
           <p:cNvPicPr>
-            <a:picLocks noChangeAspect="1"/>
+            <a:picLocks noChangeAspect="1" noChangeArrowheads="1"/>
           </p:cNvPicPr>
           <p:nvPr/>
         </p:nvPicPr>
         <p:blipFill>
-          <a:blip r:embed="rId3"/>
+          <a:blip r:embed="rId2">
+            <a:extLst>
+              <a:ext uri="{28A0092B-C50C-407E-A947-70E740481C1C}">
+                <a14:useLocalDpi xmlns:a14="http://schemas.microsoft.com/office/drawing/2010/main" val="0"/>
+              </a:ext>
+            </a:extLst>
+          </a:blip>
+          <a:srcRect/>
           <a:stretch>
             <a:fillRect/>
           </a:stretch>
         </p:blipFill>
-        <p:spPr>
+        <p:spPr bwMode="auto">
           <a:xfrm>
-            <a:off x="467373" y="1780459"/>
-            <a:ext cx="5272378" cy="2835083"/>
+            <a:off x="1010376" y="1355957"/>
+            <a:ext cx="4146085" cy="4146085"/>
           </a:xfrm>
           <a:prstGeom prst="rect">
             <a:avLst/>
           </a:prstGeom>
+          <a:noFill/>
           <a:ln w="12700">
             <a:solidFill>
               <a:schemeClr val="tx1"/>
             </a:solidFill>
           </a:ln>
+          <a:extLst>
+            <a:ext uri="{909E8E84-426E-40DD-AFC4-6F175D3DCCD1}">
+              <a14:hiddenFill xmlns:a14="http://schemas.microsoft.com/office/drawing/2010/main">
+                <a:solidFill>
+                  <a:srgbClr val="FFFFFF"/>
+                </a:solidFill>
+              </a14:hiddenFill>
+            </a:ext>
+          </a:extLst>
         </p:spPr>
       </p:pic>
     </p:spTree>
     <p:extLst>
       <p:ext uri="{BB962C8B-B14F-4D97-AF65-F5344CB8AC3E}">
-        <p14:creationId xmlns:p14="http://schemas.microsoft.com/office/powerpoint/2010/main" val="210941026"/>
+        <p14:creationId xmlns:p14="http://schemas.microsoft.com/office/powerpoint/2010/main" val="108881418"/>
       </p:ext>
     </p:extLst>
   </p:cSld>
@@ -10225,8 +9986,18 @@
             </a:pPr>
             <a:r>
               <a:rPr lang="es-ES" dirty="0"/>
-              <a:t>Si hemos realizado todos los pasos correctamente podremos ver que se nos abre una nueva ventana de VSCode donde estaremos correctamente conectados a la máquina virtual</a:t>
-            </a:r>
+              <a:t>Obtendremos el binario desde la URL oficial de Microsoft:</a:t>
+            </a:r>
+          </a:p>
+          <a:p>
+            <a:pPr lvl="1" algn="just"/>
+            <a:r>
+              <a:rPr lang="en-US" sz="1400" dirty="0">
+                <a:hlinkClick r:id="rId2"/>
+              </a:rPr>
+              <a:t>https://code.visualstudio.com/download</a:t>
+            </a:r>
+            <a:endParaRPr lang="en-US" sz="1400" dirty="0"/>
           </a:p>
           <a:p>
             <a:pPr marL="285750" indent="-285750" algn="just">
@@ -10234,10 +10005,342 @@
               <a:buChar char="-"/>
             </a:pPr>
             <a:r>
-              <a:rPr lang="es-ES" dirty="0"/>
-              <a:t>Para comprobar siempre cuál es nuestro entorno actual de trabajo, podemos echar un vistazo a la franja verde en la barra azul inferior que nos indica en qué environment se encuentra VSCode funcionando</a:t>
-            </a:r>
-            <a:endParaRPr lang="en-US" dirty="0"/>
+              <a:rPr lang="en-US" sz="1400" dirty="0"/>
+              <a:t>Una </a:t>
+            </a:r>
+            <a:r>
+              <a:rPr lang="en-US" sz="1400" dirty="0" err="1"/>
+              <a:t>vez</a:t>
+            </a:r>
+            <a:r>
+              <a:rPr lang="en-US" sz="1400" dirty="0"/>
+              <a:t> </a:t>
+            </a:r>
+            <a:r>
+              <a:rPr lang="en-US" sz="1400" dirty="0" err="1"/>
+              <a:t>instalado</a:t>
+            </a:r>
+            <a:r>
+              <a:rPr lang="en-US" sz="1400" dirty="0"/>
+              <a:t>, </a:t>
+            </a:r>
+            <a:r>
+              <a:rPr lang="en-US" sz="1400" dirty="0" err="1"/>
+              <a:t>procederemos</a:t>
+            </a:r>
+            <a:r>
+              <a:rPr lang="en-US" sz="1400" dirty="0"/>
+              <a:t> a </a:t>
+            </a:r>
+            <a:r>
+              <a:rPr lang="en-US" sz="1400" dirty="0" err="1"/>
+              <a:t>instalar</a:t>
+            </a:r>
+            <a:r>
+              <a:rPr lang="en-US" sz="1400" dirty="0"/>
+              <a:t> el plugin que </a:t>
+            </a:r>
+            <a:r>
+              <a:rPr lang="en-US" sz="1400" dirty="0" err="1"/>
+              <a:t>nos</a:t>
+            </a:r>
+            <a:r>
+              <a:rPr lang="en-US" sz="1400" dirty="0"/>
+              <a:t> </a:t>
+            </a:r>
+            <a:r>
+              <a:rPr lang="en-US" sz="1400" dirty="0" err="1"/>
+              <a:t>pemitirá</a:t>
+            </a:r>
+            <a:r>
+              <a:rPr lang="en-US" sz="1400" dirty="0"/>
+              <a:t> </a:t>
+            </a:r>
+            <a:r>
+              <a:rPr lang="en-US" sz="1400" dirty="0" err="1"/>
+              <a:t>conectarnos</a:t>
+            </a:r>
+            <a:r>
+              <a:rPr lang="en-US" sz="1400" dirty="0"/>
+              <a:t> a </a:t>
+            </a:r>
+            <a:r>
+              <a:rPr lang="en-US" sz="1400" dirty="0" err="1"/>
+              <a:t>nuestra</a:t>
+            </a:r>
+            <a:r>
+              <a:rPr lang="en-US" sz="1400" dirty="0"/>
+              <a:t> </a:t>
+            </a:r>
+            <a:r>
+              <a:rPr lang="en-US" sz="1400" dirty="0" err="1"/>
+              <a:t>máquina</a:t>
+            </a:r>
+            <a:r>
+              <a:rPr lang="en-US" sz="1400" dirty="0"/>
+              <a:t> virtual. Para </a:t>
+            </a:r>
+            <a:r>
+              <a:rPr lang="en-US" sz="1400" dirty="0" err="1"/>
+              <a:t>hacerlo</a:t>
+            </a:r>
+            <a:r>
+              <a:rPr lang="en-US" sz="1400" dirty="0"/>
+              <a:t>, </a:t>
+            </a:r>
+            <a:r>
+              <a:rPr lang="en-US" sz="1400" dirty="0" err="1"/>
+              <a:t>iremos</a:t>
+            </a:r>
+            <a:r>
+              <a:rPr lang="en-US" sz="1400" dirty="0"/>
+              <a:t> a la </a:t>
+            </a:r>
+            <a:r>
+              <a:rPr lang="en-US" sz="1400" dirty="0" err="1"/>
+              <a:t>pestaña</a:t>
+            </a:r>
+            <a:r>
+              <a:rPr lang="en-US" sz="1400" dirty="0"/>
+              <a:t> de plugins y </a:t>
+            </a:r>
+            <a:r>
+              <a:rPr lang="en-US" sz="1400" dirty="0" err="1"/>
+              <a:t>escribiremos</a:t>
+            </a:r>
+            <a:r>
+              <a:rPr lang="en-US" sz="1400" dirty="0"/>
+              <a:t> </a:t>
+            </a:r>
+            <a:r>
+              <a:rPr lang="en-US" sz="1400" i="1" dirty="0"/>
+              <a:t>‘Remote SSH’</a:t>
+            </a:r>
+            <a:r>
+              <a:rPr lang="en-US" sz="1400" dirty="0"/>
+              <a:t> </a:t>
+            </a:r>
+            <a:r>
+              <a:rPr lang="en-US" sz="1400" dirty="0" err="1"/>
+              <a:t>luego</a:t>
+            </a:r>
+            <a:r>
+              <a:rPr lang="en-US" sz="1400" dirty="0"/>
+              <a:t> </a:t>
+            </a:r>
+            <a:r>
+              <a:rPr lang="en-US" sz="1400" dirty="0" err="1"/>
+              <a:t>presionamos</a:t>
+            </a:r>
+            <a:r>
+              <a:rPr lang="en-US" sz="1400" dirty="0"/>
+              <a:t> </a:t>
+            </a:r>
+            <a:r>
+              <a:rPr lang="en-US" sz="1400" i="1" dirty="0"/>
+              <a:t>install</a:t>
+            </a:r>
+          </a:p>
+          <a:p>
+            <a:pPr marL="285750" indent="-285750" algn="just">
+              <a:buFontTx/>
+              <a:buChar char="-"/>
+            </a:pPr>
+            <a:r>
+              <a:rPr lang="en-US" sz="1400" dirty="0" err="1"/>
+              <a:t>Accedemos</a:t>
+            </a:r>
+            <a:r>
+              <a:rPr lang="en-US" sz="1400" dirty="0"/>
+              <a:t> a la </a:t>
+            </a:r>
+            <a:r>
+              <a:rPr lang="en-US" sz="1400" dirty="0" err="1"/>
+              <a:t>pestaña</a:t>
+            </a:r>
+            <a:r>
+              <a:rPr lang="en-US" sz="1400" dirty="0"/>
+              <a:t> de los </a:t>
+            </a:r>
+            <a:r>
+              <a:rPr lang="en-US" sz="1400" dirty="0" err="1"/>
+              <a:t>exploradores</a:t>
+            </a:r>
+            <a:r>
+              <a:rPr lang="en-US" sz="1400" dirty="0"/>
+              <a:t> </a:t>
+            </a:r>
+            <a:r>
+              <a:rPr lang="en-US" sz="1400" dirty="0" err="1"/>
+              <a:t>remotos</a:t>
+            </a:r>
+            <a:r>
+              <a:rPr lang="en-US" sz="1400" dirty="0"/>
+              <a:t> </a:t>
+            </a:r>
+            <a:r>
+              <a:rPr lang="en-US" sz="1400" dirty="0" err="1"/>
+              <a:t>en</a:t>
+            </a:r>
+            <a:r>
+              <a:rPr lang="en-US" sz="1400" dirty="0"/>
+              <a:t> la </a:t>
+            </a:r>
+            <a:r>
+              <a:rPr lang="en-US" sz="1400" dirty="0" err="1"/>
+              <a:t>izquierda</a:t>
+            </a:r>
+            <a:r>
+              <a:rPr lang="en-US" sz="1400" dirty="0"/>
+              <a:t>, dentro del </a:t>
+            </a:r>
+            <a:r>
+              <a:rPr lang="en-US" sz="1400" dirty="0" err="1"/>
+              <a:t>subgrupo</a:t>
+            </a:r>
+            <a:r>
+              <a:rPr lang="en-US" sz="1400" dirty="0"/>
+              <a:t> de </a:t>
+            </a:r>
+            <a:r>
+              <a:rPr lang="en-US" sz="1400" i="1" dirty="0"/>
+              <a:t>‘</a:t>
+            </a:r>
+            <a:r>
+              <a:rPr lang="en-US" sz="1400" i="1" dirty="0" err="1"/>
+              <a:t>ssh</a:t>
+            </a:r>
+            <a:r>
+              <a:rPr lang="en-US" sz="1400" i="1" dirty="0"/>
+              <a:t> targets’</a:t>
+            </a:r>
+          </a:p>
+          <a:p>
+            <a:pPr marL="285750" indent="-285750" algn="just">
+              <a:buFontTx/>
+              <a:buChar char="-"/>
+            </a:pPr>
+            <a:r>
+              <a:rPr lang="en-US" sz="1400" dirty="0" err="1"/>
+              <a:t>Apretamos</a:t>
+            </a:r>
+            <a:r>
+              <a:rPr lang="en-US" sz="1400" dirty="0"/>
+              <a:t> el </a:t>
+            </a:r>
+            <a:r>
+              <a:rPr lang="en-US" sz="1400" dirty="0" err="1"/>
+              <a:t>botón</a:t>
+            </a:r>
+            <a:r>
+              <a:rPr lang="en-US" sz="1400" dirty="0"/>
+              <a:t> con </a:t>
+            </a:r>
+            <a:r>
+              <a:rPr lang="en-US" sz="1400" dirty="0" err="1"/>
+              <a:t>signo</a:t>
+            </a:r>
+            <a:r>
+              <a:rPr lang="en-US" sz="1400" dirty="0"/>
+              <a:t> </a:t>
+            </a:r>
+            <a:r>
+              <a:rPr lang="en-US" sz="1400" dirty="0" err="1"/>
+              <a:t>suma</a:t>
+            </a:r>
+            <a:r>
+              <a:rPr lang="en-US" sz="1400" dirty="0"/>
+              <a:t> (+) para </a:t>
+            </a:r>
+            <a:r>
+              <a:rPr lang="en-US" sz="1400" dirty="0" err="1"/>
+              <a:t>añadir</a:t>
+            </a:r>
+            <a:r>
+              <a:rPr lang="en-US" sz="1400" dirty="0"/>
+              <a:t> una </a:t>
+            </a:r>
+            <a:r>
+              <a:rPr lang="en-US" sz="1400" dirty="0" err="1"/>
+              <a:t>nueva</a:t>
+            </a:r>
+            <a:r>
+              <a:rPr lang="en-US" sz="1400" dirty="0"/>
+              <a:t> </a:t>
+            </a:r>
+            <a:r>
+              <a:rPr lang="en-US" sz="1400" dirty="0" err="1"/>
+              <a:t>conexión</a:t>
+            </a:r>
+            <a:endParaRPr lang="en-US" sz="1400" dirty="0"/>
+          </a:p>
+          <a:p>
+            <a:pPr marL="285750" indent="-285750" algn="just">
+              <a:buFontTx/>
+              <a:buChar char="-"/>
+            </a:pPr>
+            <a:r>
+              <a:rPr lang="en-US" sz="1400" dirty="0" err="1"/>
+              <a:t>Introducimos</a:t>
+            </a:r>
+            <a:r>
+              <a:rPr lang="en-US" sz="1400" dirty="0"/>
+              <a:t> </a:t>
+            </a:r>
+            <a:r>
+              <a:rPr lang="en-US" sz="1400" i="1" dirty="0" err="1"/>
+              <a:t>ssh</a:t>
+            </a:r>
+            <a:r>
+              <a:rPr lang="en-US" sz="1400" i="1" dirty="0"/>
+              <a:t> </a:t>
+            </a:r>
+            <a:r>
+              <a:rPr lang="en-US" sz="1400" i="1" dirty="0" err="1"/>
+              <a:t>dev@localhost</a:t>
+            </a:r>
+            <a:r>
+              <a:rPr lang="en-US" sz="1400" i="1" dirty="0"/>
+              <a:t> -p 2222 </a:t>
+            </a:r>
+            <a:r>
+              <a:rPr lang="en-US" sz="1400" dirty="0" err="1"/>
+              <a:t>en</a:t>
+            </a:r>
+            <a:r>
+              <a:rPr lang="en-US" sz="1400" dirty="0"/>
+              <a:t> el input</a:t>
+            </a:r>
+          </a:p>
+          <a:p>
+            <a:pPr marL="285750" indent="-285750" algn="just">
+              <a:buFontTx/>
+              <a:buChar char="-"/>
+            </a:pPr>
+            <a:r>
+              <a:rPr lang="en-US" sz="1400" dirty="0" err="1"/>
+              <a:t>Introducimos</a:t>
+            </a:r>
+            <a:r>
+              <a:rPr lang="en-US" sz="1400" dirty="0"/>
+              <a:t> password </a:t>
+            </a:r>
+            <a:r>
+              <a:rPr lang="en-US" sz="1400" dirty="0" err="1"/>
+              <a:t>en</a:t>
+            </a:r>
+            <a:r>
+              <a:rPr lang="en-US" sz="1400" dirty="0"/>
+              <a:t> el </a:t>
+            </a:r>
+            <a:r>
+              <a:rPr lang="en-US" sz="1400" dirty="0" err="1"/>
+              <a:t>siguiente</a:t>
+            </a:r>
+            <a:r>
+              <a:rPr lang="en-US" sz="1400" dirty="0"/>
+              <a:t> input</a:t>
+            </a:r>
           </a:p>
           <a:p>
             <a:pPr algn="just"/>
@@ -10291,10 +10394,10 @@
       </p:sp>
       <p:pic>
         <p:nvPicPr>
-          <p:cNvPr id="7" name="Imagen 6">
-            <a:extLst>
-              <a:ext uri="{FF2B5EF4-FFF2-40B4-BE49-F238E27FC236}">
-                <a16:creationId xmlns:a16="http://schemas.microsoft.com/office/drawing/2014/main" id="{7812B006-FF11-4B55-9C6D-3A11E97053AC}"/>
+          <p:cNvPr id="4" name="Imagen 3">
+            <a:extLst>
+              <a:ext uri="{FF2B5EF4-FFF2-40B4-BE49-F238E27FC236}">
+                <a16:creationId xmlns:a16="http://schemas.microsoft.com/office/drawing/2014/main" id="{2F711657-BE03-4C2B-B082-1122698A34BD}"/>
               </a:ext>
             </a:extLst>
           </p:cNvPr>
@@ -10304,15 +10407,15 @@
           <p:nvPr/>
         </p:nvPicPr>
         <p:blipFill>
-          <a:blip r:embed="rId2"/>
+          <a:blip r:embed="rId3"/>
           <a:stretch>
             <a:fillRect/>
           </a:stretch>
         </p:blipFill>
         <p:spPr>
           <a:xfrm>
-            <a:off x="381771" y="866563"/>
-            <a:ext cx="5210051" cy="4988141"/>
+            <a:off x="467373" y="1780459"/>
+            <a:ext cx="5272378" cy="2835083"/>
           </a:xfrm>
           <a:prstGeom prst="rect">
             <a:avLst/>
@@ -10327,7 +10430,7 @@
     </p:spTree>
     <p:extLst>
       <p:ext uri="{BB962C8B-B14F-4D97-AF65-F5344CB8AC3E}">
-        <p14:creationId xmlns:p14="http://schemas.microsoft.com/office/powerpoint/2010/main" val="36676695"/>
+        <p14:creationId xmlns:p14="http://schemas.microsoft.com/office/powerpoint/2010/main" val="210941026"/>
       </p:ext>
     </p:extLst>
   </p:cSld>
@@ -10536,138 +10639,98 @@
       </p:sp>
       <p:sp>
         <p:nvSpPr>
-          <p:cNvPr id="4" name="Título 3">
-            <a:extLst>
-              <a:ext uri="{FF2B5EF4-FFF2-40B4-BE49-F238E27FC236}">
-                <a16:creationId xmlns:a16="http://schemas.microsoft.com/office/drawing/2014/main" id="{4E333C21-C25F-410C-82F6-9F9B51A96715}"/>
-              </a:ext>
-            </a:extLst>
-          </p:cNvPr>
-          <p:cNvSpPr>
-            <a:spLocks noGrp="1"/>
-          </p:cNvSpPr>
-          <p:nvPr>
-            <p:ph type="title"/>
+          <p:cNvPr id="5" name="Marcador de contenido 4">
+            <a:extLst>
+              <a:ext uri="{FF2B5EF4-FFF2-40B4-BE49-F238E27FC236}">
+                <a16:creationId xmlns:a16="http://schemas.microsoft.com/office/drawing/2014/main" id="{8D603722-7CA9-4905-99B6-55FC18A25096}"/>
+              </a:ext>
+            </a:extLst>
+          </p:cNvPr>
+          <p:cNvSpPr>
+            <a:spLocks noGrp="1"/>
+          </p:cNvSpPr>
+          <p:nvPr>
+            <p:ph idx="1"/>
           </p:nvPr>
         </p:nvSpPr>
         <p:spPr>
           <a:xfrm>
-            <a:off x="6600179" y="1789551"/>
-            <a:ext cx="4335680" cy="549189"/>
+            <a:off x="6238229" y="1477005"/>
+            <a:ext cx="5699327" cy="4879345"/>
           </a:xfrm>
         </p:spPr>
         <p:txBody>
           <a:bodyPr>
-            <a:normAutofit fontScale="90000"/>
+            <a:normAutofit/>
           </a:bodyPr>
           <a:lstStyle/>
           <a:p>
-            <a:r>
-              <a:rPr lang="es-ES" sz="2400" dirty="0"/>
-              <a:t>Práctica 13: Guardado de la imagen</a:t>
-            </a:r>
-            <a:br>
-              <a:rPr lang="es-ES" sz="2400" dirty="0"/>
-            </a:br>
-            <a:r>
-              <a:rPr lang="es-ES" sz="2400" dirty="0"/>
-              <a:t>(10 min)</a:t>
-            </a:r>
-          </a:p>
-        </p:txBody>
-      </p:sp>
-      <p:sp>
-        <p:nvSpPr>
-          <p:cNvPr id="5" name="Marcador de contenido 4">
-            <a:extLst>
-              <a:ext uri="{FF2B5EF4-FFF2-40B4-BE49-F238E27FC236}">
-                <a16:creationId xmlns:a16="http://schemas.microsoft.com/office/drawing/2014/main" id="{8D603722-7CA9-4905-99B6-55FC18A25096}"/>
-              </a:ext>
-            </a:extLst>
-          </p:cNvPr>
-          <p:cNvSpPr>
-            <a:spLocks noGrp="1"/>
-          </p:cNvSpPr>
-          <p:nvPr>
-            <p:ph idx="1"/>
-          </p:nvPr>
-        </p:nvSpPr>
-        <p:spPr>
-          <a:xfrm>
-            <a:off x="6238229" y="2722301"/>
-            <a:ext cx="5591821" cy="3634049"/>
-          </a:xfrm>
-        </p:spPr>
+            <a:pPr marL="285750" indent="-285750" algn="just">
+              <a:buFontTx/>
+              <a:buChar char="-"/>
+            </a:pPr>
+            <a:r>
+              <a:rPr lang="es-ES" dirty="0"/>
+              <a:t>Si hemos realizado todos los pasos correctamente podremos ver que se nos abre una nueva ventana de VSCode donde estaremos correctamente conectados a la máquina virtual</a:t>
+            </a:r>
+          </a:p>
+          <a:p>
+            <a:pPr marL="285750" indent="-285750" algn="just">
+              <a:buFontTx/>
+              <a:buChar char="-"/>
+            </a:pPr>
+            <a:r>
+              <a:rPr lang="es-ES" dirty="0"/>
+              <a:t>Para comprobar siempre cuál es nuestro entorno actual de trabajo, podemos echar un vistazo a la franja verde en la barra azul inferior que nos indica en qué environment se encuentra VSCode funcionando</a:t>
+            </a:r>
+            <a:endParaRPr lang="en-US" dirty="0"/>
+          </a:p>
+          <a:p>
+            <a:pPr algn="just"/>
+            <a:endParaRPr lang="en-US" sz="1400" i="1" dirty="0"/>
+          </a:p>
+          <a:p>
+            <a:pPr marL="285750" indent="-285750" algn="just">
+              <a:buFontTx/>
+              <a:buChar char="-"/>
+            </a:pPr>
+            <a:endParaRPr lang="en-US" sz="1400" dirty="0"/>
+          </a:p>
+          <a:p>
+            <a:pPr marL="285750" indent="-285750" algn="just">
+              <a:buFontTx/>
+              <a:buChar char="-"/>
+            </a:pPr>
+            <a:endParaRPr lang="en-US" sz="1400" dirty="0"/>
+          </a:p>
+        </p:txBody>
+      </p:sp>
+      <p:sp>
+        <p:nvSpPr>
+          <p:cNvPr id="6" name="Marcador de contenido 5">
+            <a:extLst>
+              <a:ext uri="{FF2B5EF4-FFF2-40B4-BE49-F238E27FC236}">
+                <a16:creationId xmlns:a16="http://schemas.microsoft.com/office/drawing/2014/main" id="{7C1F35BD-8859-443F-B451-4E74D56C4093}"/>
+              </a:ext>
+            </a:extLst>
+          </p:cNvPr>
+          <p:cNvSpPr>
+            <a:spLocks noGrp="1"/>
+          </p:cNvSpPr>
+          <p:nvPr>
+            <p:ph sz="quarter" idx="11"/>
+          </p:nvPr>
+        </p:nvSpPr>
+        <p:spPr/>
         <p:txBody>
           <a:bodyPr>
             <a:normAutofit lnSpcReduction="10000"/>
           </a:bodyPr>
           <a:lstStyle/>
           <a:p>
-            <a:pPr marL="285750" indent="-285750" algn="just">
-              <a:buFontTx/>
-              <a:buChar char="-"/>
-            </a:pPr>
-            <a:r>
-              <a:rPr lang="es-ES" dirty="0"/>
-              <a:t>El curso va a durar bastantes jornadas y no podemos estar desperdiciando tantos recursos del ordenador de forma continuada. Tampoco podemos hacer toda esta configuración una y otra vez al inicio de cada sesión, necesitamos ser capaces de guardar las imágenes</a:t>
-            </a:r>
-          </a:p>
-          <a:p>
-            <a:pPr marL="285750" indent="-285750" algn="just">
-              <a:buFontTx/>
-              <a:buChar char="-"/>
-            </a:pPr>
-            <a:r>
-              <a:rPr lang="es-ES" dirty="0"/>
-              <a:t>Si detenemos la imagen correctamente con un v</a:t>
-            </a:r>
-            <a:r>
-              <a:rPr lang="es-ES" i="1" dirty="0"/>
-              <a:t>agrant halt </a:t>
-            </a:r>
-            <a:r>
-              <a:rPr lang="es-ES" dirty="0"/>
-              <a:t>y luego la reanudamos mediante </a:t>
-            </a:r>
-            <a:r>
-              <a:rPr lang="es-ES" i="1" dirty="0"/>
-              <a:t>vagrant up</a:t>
-            </a:r>
-            <a:r>
-              <a:rPr lang="es-ES" dirty="0"/>
-              <a:t>, recuperaremos el estado anterior, pero si por cualquier motivo la imagen se queda bloqueada y hemos de restaurarla perderemos todos los datos</a:t>
-            </a:r>
-            <a:endParaRPr lang="es-ES" i="1" dirty="0"/>
-          </a:p>
-        </p:txBody>
-      </p:sp>
-      <p:sp>
-        <p:nvSpPr>
-          <p:cNvPr id="6" name="Marcador de contenido 5">
-            <a:extLst>
-              <a:ext uri="{FF2B5EF4-FFF2-40B4-BE49-F238E27FC236}">
-                <a16:creationId xmlns:a16="http://schemas.microsoft.com/office/drawing/2014/main" id="{7C1F35BD-8859-443F-B451-4E74D56C4093}"/>
-              </a:ext>
-            </a:extLst>
-          </p:cNvPr>
-          <p:cNvSpPr>
-            <a:spLocks noGrp="1"/>
-          </p:cNvSpPr>
-          <p:nvPr>
-            <p:ph sz="quarter" idx="11"/>
-          </p:nvPr>
-        </p:nvSpPr>
-        <p:spPr/>
-        <p:txBody>
-          <a:bodyPr>
-            <a:normAutofit lnSpcReduction="10000"/>
-          </a:bodyPr>
-          <a:lstStyle/>
-          <a:p>
             <a:r>
               <a:rPr lang="ca-ES" dirty="0"/>
-              <a:t>13.1</a:t>
+              <a:t>12.1</a:t>
             </a:r>
           </a:p>
         </p:txBody>
@@ -10677,7 +10740,7 @@
           <p:cNvPr id="7" name="Imagen 6">
             <a:extLst>
               <a:ext uri="{FF2B5EF4-FFF2-40B4-BE49-F238E27FC236}">
-                <a16:creationId xmlns:a16="http://schemas.microsoft.com/office/drawing/2014/main" id="{C6B71FC4-637E-41CA-BFB7-851F630D194D}"/>
+                <a16:creationId xmlns:a16="http://schemas.microsoft.com/office/drawing/2014/main" id="{7812B006-FF11-4B55-9C6D-3A11E97053AC}"/>
               </a:ext>
             </a:extLst>
           </p:cNvPr>
@@ -10694,8 +10757,8 @@
         </p:blipFill>
         <p:spPr>
           <a:xfrm>
-            <a:off x="471260" y="1789551"/>
-            <a:ext cx="5323191" cy="3056937"/>
+            <a:off x="381771" y="866563"/>
+            <a:ext cx="5210051" cy="4988141"/>
           </a:xfrm>
           <a:prstGeom prst="rect">
             <a:avLst/>
@@ -10710,7 +10773,7 @@
     </p:spTree>
     <p:extLst>
       <p:ext uri="{BB962C8B-B14F-4D97-AF65-F5344CB8AC3E}">
-        <p14:creationId xmlns:p14="http://schemas.microsoft.com/office/powerpoint/2010/main" val="1528773776"/>
+        <p14:creationId xmlns:p14="http://schemas.microsoft.com/office/powerpoint/2010/main" val="36676695"/>
       </p:ext>
     </p:extLst>
   </p:cSld>
@@ -10769,24 +10832,66 @@
       </p:sp>
       <p:sp>
         <p:nvSpPr>
-          <p:cNvPr id="5" name="Marcador de contenido 4">
-            <a:extLst>
-              <a:ext uri="{FF2B5EF4-FFF2-40B4-BE49-F238E27FC236}">
-                <a16:creationId xmlns:a16="http://schemas.microsoft.com/office/drawing/2014/main" id="{8D603722-7CA9-4905-99B6-55FC18A25096}"/>
-              </a:ext>
-            </a:extLst>
-          </p:cNvPr>
-          <p:cNvSpPr>
-            <a:spLocks noGrp="1"/>
-          </p:cNvSpPr>
-          <p:nvPr>
-            <p:ph idx="1"/>
+          <p:cNvPr id="4" name="Título 3">
+            <a:extLst>
+              <a:ext uri="{FF2B5EF4-FFF2-40B4-BE49-F238E27FC236}">
+                <a16:creationId xmlns:a16="http://schemas.microsoft.com/office/drawing/2014/main" id="{4E333C21-C25F-410C-82F6-9F9B51A96715}"/>
+              </a:ext>
+            </a:extLst>
+          </p:cNvPr>
+          <p:cNvSpPr>
+            <a:spLocks noGrp="1"/>
+          </p:cNvSpPr>
+          <p:nvPr>
+            <p:ph type="title"/>
           </p:nvPr>
         </p:nvSpPr>
         <p:spPr>
           <a:xfrm>
-            <a:off x="6238229" y="1477005"/>
-            <a:ext cx="5699327" cy="4879345"/>
+            <a:off x="6600179" y="1789551"/>
+            <a:ext cx="4335680" cy="549189"/>
+          </a:xfrm>
+        </p:spPr>
+        <p:txBody>
+          <a:bodyPr>
+            <a:normAutofit fontScale="90000"/>
+          </a:bodyPr>
+          <a:lstStyle/>
+          <a:p>
+            <a:r>
+              <a:rPr lang="es-ES" sz="2400" dirty="0"/>
+              <a:t>Práctica 13: Guardado de la imagen</a:t>
+            </a:r>
+            <a:br>
+              <a:rPr lang="es-ES" sz="2400" dirty="0"/>
+            </a:br>
+            <a:r>
+              <a:rPr lang="es-ES" sz="2400" dirty="0"/>
+              <a:t>(10 min)</a:t>
+            </a:r>
+          </a:p>
+        </p:txBody>
+      </p:sp>
+      <p:sp>
+        <p:nvSpPr>
+          <p:cNvPr id="5" name="Marcador de contenido 4">
+            <a:extLst>
+              <a:ext uri="{FF2B5EF4-FFF2-40B4-BE49-F238E27FC236}">
+                <a16:creationId xmlns:a16="http://schemas.microsoft.com/office/drawing/2014/main" id="{8D603722-7CA9-4905-99B6-55FC18A25096}"/>
+              </a:ext>
+            </a:extLst>
+          </p:cNvPr>
+          <p:cNvSpPr>
+            <a:spLocks noGrp="1"/>
+          </p:cNvSpPr>
+          <p:nvPr>
+            <p:ph idx="1"/>
+          </p:nvPr>
+        </p:nvSpPr>
+        <p:spPr>
+          <a:xfrm>
+            <a:off x="6238229" y="2722301"/>
+            <a:ext cx="5591821" cy="3634049"/>
           </a:xfrm>
         </p:spPr>
         <p:txBody>
@@ -10801,23 +10906,8 @@
             </a:pPr>
             <a:r>
               <a:rPr lang="es-ES" dirty="0"/>
-              <a:t>Para evitar perder todos los datos, al final de cada sesión guardaremos el estado actual de la imagen. Para hacerlo, realizaremos un:</a:t>
-            </a:r>
-          </a:p>
-          <a:p>
-            <a:pPr marL="742950" lvl="1" indent="-285750" algn="just">
-              <a:buFontTx/>
-              <a:buChar char="-"/>
-            </a:pPr>
-            <a:r>
-              <a:rPr lang="es-ES" i="1" dirty="0"/>
-              <a:t>vagrant </a:t>
-            </a:r>
-            <a:r>
-              <a:rPr lang="es-ES" i="1" dirty="0" err="1"/>
-              <a:t>package</a:t>
-            </a:r>
-            <a:endParaRPr lang="es-ES" i="1" dirty="0"/>
+              <a:t>El curso va a durar bastantes jornadas y no podemos estar desperdiciando tantos recursos del ordenador de forma continuada. Tampoco podemos hacer toda esta configuración una y otra vez al inicio de cada sesión, necesitamos ser capaces de guardar las imágenes</a:t>
+            </a:r>
           </a:p>
           <a:p>
             <a:pPr marL="285750" indent="-285750" algn="just">
@@ -10826,75 +10916,25 @@
             </a:pPr>
             <a:r>
               <a:rPr lang="es-ES" dirty="0"/>
-              <a:t>Esta operación nos generará una nueva imagen llamada </a:t>
-            </a:r>
-            <a:r>
-              <a:rPr lang="es-ES" i="1" dirty="0" err="1"/>
-              <a:t>package.box</a:t>
-            </a:r>
-            <a:endParaRPr lang="es-ES" dirty="0"/>
-          </a:p>
-          <a:p>
-            <a:pPr marL="285750" indent="-285750" algn="just">
-              <a:buFontTx/>
-              <a:buChar char="-"/>
-            </a:pPr>
+              <a:t>Si detenemos la imagen correctamente con un v</a:t>
+            </a:r>
+            <a:r>
+              <a:rPr lang="es-ES" i="1" dirty="0"/>
+              <a:t>agrant halt </a:t>
+            </a:r>
             <a:r>
               <a:rPr lang="es-ES" dirty="0"/>
-              <a:t>Una vez generada la nueva box, la guardaremos en nuestro listado de boxes mediante:</a:t>
-            </a:r>
-          </a:p>
-          <a:p>
-            <a:pPr marL="742950" lvl="1" indent="-285750" algn="just">
-              <a:buFontTx/>
-              <a:buChar char="-"/>
-            </a:pPr>
+              <a:t>y luego la reanudamos mediante </a:t>
+            </a:r>
             <a:r>
               <a:rPr lang="es-ES" i="1" dirty="0"/>
-              <a:t>vagrant box add [</a:t>
-            </a:r>
-            <a:r>
-              <a:rPr lang="es-ES" i="1" dirty="0" err="1"/>
-              <a:t>dia_mes</a:t>
-            </a:r>
-            <a:r>
-              <a:rPr lang="es-ES" i="1" dirty="0"/>
-              <a:t>]  </a:t>
-            </a:r>
-            <a:r>
-              <a:rPr lang="es-ES" i="1" dirty="0" err="1"/>
-              <a:t>package.box</a:t>
+              <a:t>vagrant up</a:t>
+            </a:r>
+            <a:r>
+              <a:rPr lang="es-ES" dirty="0"/>
+              <a:t>, recuperaremos el estado anterior, pero si por cualquier motivo la imagen se queda bloqueada y hemos de restaurarla perderemos todos los datos</a:t>
             </a:r>
             <a:endParaRPr lang="es-ES" i="1" dirty="0"/>
-          </a:p>
-          <a:p>
-            <a:pPr marL="285750" indent="-285750" algn="just">
-              <a:buFontTx/>
-              <a:buChar char="-"/>
-            </a:pPr>
-            <a:r>
-              <a:rPr lang="es-ES" dirty="0"/>
-              <a:t>De este modo nos será fácil guardar un registro de las diferentes imágenes con las que tenemos que trabajar cada día</a:t>
-            </a:r>
-            <a:endParaRPr lang="en-US" dirty="0"/>
-          </a:p>
-          <a:p>
-            <a:pPr algn="just"/>
-            <a:endParaRPr lang="en-US" sz="1400" i="1" dirty="0"/>
-          </a:p>
-          <a:p>
-            <a:pPr marL="285750" indent="-285750" algn="just">
-              <a:buFontTx/>
-              <a:buChar char="-"/>
-            </a:pPr>
-            <a:endParaRPr lang="en-US" sz="1400" dirty="0"/>
-          </a:p>
-          <a:p>
-            <a:pPr marL="285750" indent="-285750" algn="just">
-              <a:buFontTx/>
-              <a:buChar char="-"/>
-            </a:pPr>
-            <a:endParaRPr lang="en-US" sz="1400" dirty="0"/>
           </a:p>
         </p:txBody>
       </p:sp>
@@ -10930,10 +10970,10 @@
       </p:sp>
       <p:pic>
         <p:nvPicPr>
-          <p:cNvPr id="4" name="Imagen 3">
-            <a:extLst>
-              <a:ext uri="{FF2B5EF4-FFF2-40B4-BE49-F238E27FC236}">
-                <a16:creationId xmlns:a16="http://schemas.microsoft.com/office/drawing/2014/main" id="{4AB09C40-C15A-408F-9DCF-DA0D70542791}"/>
+          <p:cNvPr id="7" name="Imagen 6">
+            <a:extLst>
+              <a:ext uri="{FF2B5EF4-FFF2-40B4-BE49-F238E27FC236}">
+                <a16:creationId xmlns:a16="http://schemas.microsoft.com/office/drawing/2014/main" id="{C6B71FC4-637E-41CA-BFB7-851F630D194D}"/>
               </a:ext>
             </a:extLst>
           </p:cNvPr>
@@ -10950,18 +10990,23 @@
         </p:blipFill>
         <p:spPr>
           <a:xfrm>
-            <a:off x="551257" y="1551973"/>
-            <a:ext cx="4973152" cy="3754053"/>
+            <a:off x="471260" y="1789551"/>
+            <a:ext cx="5323191" cy="3056937"/>
           </a:xfrm>
           <a:prstGeom prst="rect">
             <a:avLst/>
           </a:prstGeom>
+          <a:ln w="12700">
+            <a:solidFill>
+              <a:schemeClr val="tx1"/>
+            </a:solidFill>
+          </a:ln>
         </p:spPr>
       </p:pic>
     </p:spTree>
     <p:extLst>
       <p:ext uri="{BB962C8B-B14F-4D97-AF65-F5344CB8AC3E}">
-        <p14:creationId xmlns:p14="http://schemas.microsoft.com/office/powerpoint/2010/main" val="959508199"/>
+        <p14:creationId xmlns:p14="http://schemas.microsoft.com/office/powerpoint/2010/main" val="1528773776"/>
       </p:ext>
     </p:extLst>
   </p:cSld>
@@ -11042,7 +11087,7 @@
         </p:spPr>
         <p:txBody>
           <a:bodyPr>
-            <a:normAutofit/>
+            <a:normAutofit lnSpcReduction="10000"/>
           </a:bodyPr>
           <a:lstStyle/>
           <a:p>
@@ -11052,29 +11097,23 @@
             </a:pPr>
             <a:r>
               <a:rPr lang="es-ES" dirty="0"/>
-              <a:t>Podemos ver el listado de imágenes disponibles con </a:t>
-            </a:r>
+              <a:t>Para evitar perder todos los datos, al final de cada sesión guardaremos el estado actual de la imagen. Para hacerlo, realizaremos un:</a:t>
+            </a:r>
+          </a:p>
+          <a:p>
+            <a:pPr marL="742950" lvl="1" indent="-285750" algn="just">
+              <a:buFontTx/>
+              <a:buChar char="-"/>
+            </a:pPr>
             <a:r>
               <a:rPr lang="es-ES" i="1" dirty="0"/>
-              <a:t>vagrant box list </a:t>
-            </a:r>
-            <a:r>
-              <a:rPr lang="es-ES" dirty="0"/>
-              <a:t>y eliminar imágenes previas con </a:t>
-            </a:r>
-            <a:r>
-              <a:rPr lang="es-ES" i="1" dirty="0"/>
-              <a:t>vagrant box remove [</a:t>
+              <a:t>vagrant </a:t>
             </a:r>
             <a:r>
               <a:rPr lang="es-ES" i="1" dirty="0" err="1"/>
-              <a:t>nombre_imagen</a:t>
-            </a:r>
-            <a:r>
-              <a:rPr lang="es-ES" i="1" dirty="0"/>
-              <a:t>]</a:t>
-            </a:r>
-            <a:endParaRPr lang="es-ES" dirty="0"/>
+              <a:t>package</a:t>
+            </a:r>
+            <a:endParaRPr lang="es-ES" i="1" dirty="0"/>
           </a:p>
           <a:p>
             <a:pPr marL="285750" indent="-285750" algn="just">
@@ -11082,21 +11121,14 @@
               <a:buChar char="-"/>
             </a:pPr>
             <a:r>
-              <a:rPr lang="es-ES" sz="1400" dirty="0"/>
-              <a:t>Una vez la imagen ya está subida a nuestro listado podemos librarnos del archivo </a:t>
-            </a:r>
-            <a:r>
-              <a:rPr lang="es-ES" sz="1400" i="1" dirty="0" err="1"/>
+              <a:rPr lang="es-ES" dirty="0"/>
+              <a:t>Esta operación nos generará una nueva imagen llamada </a:t>
+            </a:r>
+            <a:r>
+              <a:rPr lang="es-ES" i="1" dirty="0" err="1"/>
               <a:t>package.box</a:t>
             </a:r>
-            <a:r>
-              <a:rPr lang="es-ES" sz="1400" i="1" dirty="0"/>
-              <a:t> </a:t>
-            </a:r>
-            <a:r>
-              <a:rPr lang="es-ES" sz="1400" dirty="0"/>
-              <a:t>(que es bastante pesado ya que contiene un sistema operativo entero) sin problemas</a:t>
-            </a:r>
+            <a:endParaRPr lang="es-ES" dirty="0"/>
           </a:p>
           <a:p>
             <a:pPr marL="285750" indent="-285750" algn="just">
@@ -11104,38 +11136,47 @@
               <a:buChar char="-"/>
             </a:pPr>
             <a:r>
-              <a:rPr lang="es-ES" sz="1400" dirty="0"/>
-              <a:t>Para iniciar esta nueva imagen, editaremos el campo “</a:t>
-            </a:r>
-            <a:r>
-              <a:rPr lang="es-ES" sz="1400" i="1" dirty="0" err="1"/>
-              <a:t>config.vm.box</a:t>
-            </a:r>
-            <a:r>
-              <a:rPr lang="es-ES" sz="1400" dirty="0"/>
-              <a:t>” en el</a:t>
-            </a:r>
-            <a:r>
-              <a:rPr lang="es-ES" sz="1400" i="1" dirty="0"/>
-              <a:t>Vagrantfile</a:t>
-            </a:r>
-            <a:r>
-              <a:rPr lang="es-ES" sz="1400" dirty="0"/>
-              <a:t> para que apunte a la última imagen </a:t>
-            </a:r>
-            <a:r>
-              <a:rPr lang="es-ES" sz="1400"/>
-              <a:t>guardada y finalmente </a:t>
-            </a:r>
-            <a:r>
-              <a:rPr lang="es-ES" sz="1400" dirty="0"/>
-              <a:t>iniciar de nuevo el sistema con </a:t>
-            </a:r>
-            <a:r>
-              <a:rPr lang="es-ES" sz="1400" i="1" dirty="0"/>
-              <a:t>vagrant up</a:t>
-            </a:r>
-            <a:endParaRPr lang="en-US" sz="1400" dirty="0"/>
+              <a:rPr lang="es-ES" dirty="0"/>
+              <a:t>Una vez generada la nueva box, la guardaremos en nuestro listado de boxes mediante:</a:t>
+            </a:r>
+          </a:p>
+          <a:p>
+            <a:pPr marL="742950" lvl="1" indent="-285750" algn="just">
+              <a:buFontTx/>
+              <a:buChar char="-"/>
+            </a:pPr>
+            <a:r>
+              <a:rPr lang="es-ES" i="1" dirty="0"/>
+              <a:t>vagrant box add [</a:t>
+            </a:r>
+            <a:r>
+              <a:rPr lang="es-ES" i="1" dirty="0" err="1"/>
+              <a:t>dia_mes</a:t>
+            </a:r>
+            <a:r>
+              <a:rPr lang="es-ES" i="1" dirty="0"/>
+              <a:t>]  </a:t>
+            </a:r>
+            <a:r>
+              <a:rPr lang="es-ES" i="1" dirty="0" err="1"/>
+              <a:t>package.box</a:t>
+            </a:r>
+            <a:endParaRPr lang="es-ES" i="1" dirty="0"/>
+          </a:p>
+          <a:p>
+            <a:pPr marL="285750" indent="-285750" algn="just">
+              <a:buFontTx/>
+              <a:buChar char="-"/>
+            </a:pPr>
+            <a:r>
+              <a:rPr lang="es-ES" dirty="0"/>
+              <a:t>De este modo nos será fácil guardar un registro de las diferentes imágenes con las que tenemos que trabajar cada día</a:t>
+            </a:r>
+            <a:endParaRPr lang="en-US" dirty="0"/>
+          </a:p>
+          <a:p>
+            <a:pPr algn="just"/>
+            <a:endParaRPr lang="en-US" sz="1400" i="1" dirty="0"/>
           </a:p>
           <a:p>
             <a:pPr marL="285750" indent="-285750" algn="just">
@@ -11216,7 +11257,7 @@
     </p:spTree>
     <p:extLst>
       <p:ext uri="{BB962C8B-B14F-4D97-AF65-F5344CB8AC3E}">
-        <p14:creationId xmlns:p14="http://schemas.microsoft.com/office/powerpoint/2010/main" val="2658321100"/>
+        <p14:creationId xmlns:p14="http://schemas.microsoft.com/office/powerpoint/2010/main" val="959508199"/>
       </p:ext>
     </p:extLst>
   </p:cSld>
@@ -11248,7 +11289,7 @@
           <p:cNvPr id="2" name="Marcador de número de diapositiva 1">
             <a:extLst>
               <a:ext uri="{FF2B5EF4-FFF2-40B4-BE49-F238E27FC236}">
-                <a16:creationId xmlns:a16="http://schemas.microsoft.com/office/drawing/2014/main" id="{C5ED044D-ABA2-4A72-8E49-8FAFB9EDABA2}"/>
+                <a16:creationId xmlns:a16="http://schemas.microsoft.com/office/drawing/2014/main" id="{C64508E8-024F-408D-BFD2-E940065D40E7}"/>
               </a:ext>
             </a:extLst>
           </p:cNvPr>
@@ -11268,6 +11309,261 @@
               <a:rPr lang="ca-ES" smtClean="0"/>
               <a:pPr/>
               <a:t>33</a:t>
+            </a:fld>
+            <a:endParaRPr lang="ca-ES"/>
+          </a:p>
+        </p:txBody>
+      </p:sp>
+      <p:sp>
+        <p:nvSpPr>
+          <p:cNvPr id="5" name="Marcador de contenido 4">
+            <a:extLst>
+              <a:ext uri="{FF2B5EF4-FFF2-40B4-BE49-F238E27FC236}">
+                <a16:creationId xmlns:a16="http://schemas.microsoft.com/office/drawing/2014/main" id="{8D603722-7CA9-4905-99B6-55FC18A25096}"/>
+              </a:ext>
+            </a:extLst>
+          </p:cNvPr>
+          <p:cNvSpPr>
+            <a:spLocks noGrp="1"/>
+          </p:cNvSpPr>
+          <p:nvPr>
+            <p:ph idx="1"/>
+          </p:nvPr>
+        </p:nvSpPr>
+        <p:spPr>
+          <a:xfrm>
+            <a:off x="6238229" y="1477005"/>
+            <a:ext cx="5699327" cy="4879345"/>
+          </a:xfrm>
+        </p:spPr>
+        <p:txBody>
+          <a:bodyPr>
+            <a:normAutofit/>
+          </a:bodyPr>
+          <a:lstStyle/>
+          <a:p>
+            <a:pPr marL="285750" indent="-285750" algn="just">
+              <a:buFontTx/>
+              <a:buChar char="-"/>
+            </a:pPr>
+            <a:r>
+              <a:rPr lang="es-ES" dirty="0"/>
+              <a:t>Podemos ver el listado de imágenes disponibles con </a:t>
+            </a:r>
+            <a:r>
+              <a:rPr lang="es-ES" i="1" dirty="0"/>
+              <a:t>vagrant box list </a:t>
+            </a:r>
+            <a:r>
+              <a:rPr lang="es-ES" dirty="0"/>
+              <a:t>y eliminar imágenes previas con </a:t>
+            </a:r>
+            <a:r>
+              <a:rPr lang="es-ES" i="1" dirty="0"/>
+              <a:t>vagrant box remove [</a:t>
+            </a:r>
+            <a:r>
+              <a:rPr lang="es-ES" i="1" dirty="0" err="1"/>
+              <a:t>nombre_imagen</a:t>
+            </a:r>
+            <a:r>
+              <a:rPr lang="es-ES" i="1" dirty="0"/>
+              <a:t>]</a:t>
+            </a:r>
+            <a:endParaRPr lang="es-ES" dirty="0"/>
+          </a:p>
+          <a:p>
+            <a:pPr marL="285750" indent="-285750" algn="just">
+              <a:buFontTx/>
+              <a:buChar char="-"/>
+            </a:pPr>
+            <a:r>
+              <a:rPr lang="es-ES" sz="1400" dirty="0"/>
+              <a:t>Una vez la imagen ya está subida a nuestro listado podemos librarnos del archivo </a:t>
+            </a:r>
+            <a:r>
+              <a:rPr lang="es-ES" sz="1400" i="1" dirty="0" err="1"/>
+              <a:t>package.box</a:t>
+            </a:r>
+            <a:r>
+              <a:rPr lang="es-ES" sz="1400" i="1" dirty="0"/>
+              <a:t> </a:t>
+            </a:r>
+            <a:r>
+              <a:rPr lang="es-ES" sz="1400" dirty="0"/>
+              <a:t>(que es bastante pesado ya que contiene un sistema operativo entero) sin problemas</a:t>
+            </a:r>
+          </a:p>
+          <a:p>
+            <a:pPr marL="285750" indent="-285750" algn="just">
+              <a:buFontTx/>
+              <a:buChar char="-"/>
+            </a:pPr>
+            <a:r>
+              <a:rPr lang="es-ES" sz="1400" dirty="0"/>
+              <a:t>Para iniciar esta nueva imagen, editaremos el campo “</a:t>
+            </a:r>
+            <a:r>
+              <a:rPr lang="es-ES" sz="1400" i="1" dirty="0" err="1"/>
+              <a:t>config.vm.box</a:t>
+            </a:r>
+            <a:r>
+              <a:rPr lang="es-ES" sz="1400" dirty="0"/>
+              <a:t>” en el</a:t>
+            </a:r>
+            <a:r>
+              <a:rPr lang="es-ES" sz="1400" i="1" dirty="0"/>
+              <a:t>Vagrantfile</a:t>
+            </a:r>
+            <a:r>
+              <a:rPr lang="es-ES" sz="1400" dirty="0"/>
+              <a:t> para que apunte a la última imagen </a:t>
+            </a:r>
+            <a:r>
+              <a:rPr lang="es-ES" sz="1400"/>
+              <a:t>guardada y finalmente </a:t>
+            </a:r>
+            <a:r>
+              <a:rPr lang="es-ES" sz="1400" dirty="0"/>
+              <a:t>iniciar de nuevo el sistema con </a:t>
+            </a:r>
+            <a:r>
+              <a:rPr lang="es-ES" sz="1400" i="1" dirty="0"/>
+              <a:t>vagrant up</a:t>
+            </a:r>
+            <a:endParaRPr lang="en-US" sz="1400" dirty="0"/>
+          </a:p>
+          <a:p>
+            <a:pPr marL="285750" indent="-285750" algn="just">
+              <a:buFontTx/>
+              <a:buChar char="-"/>
+            </a:pPr>
+            <a:endParaRPr lang="en-US" sz="1400" dirty="0"/>
+          </a:p>
+          <a:p>
+            <a:pPr marL="285750" indent="-285750" algn="just">
+              <a:buFontTx/>
+              <a:buChar char="-"/>
+            </a:pPr>
+            <a:endParaRPr lang="en-US" sz="1400" dirty="0"/>
+          </a:p>
+        </p:txBody>
+      </p:sp>
+      <p:sp>
+        <p:nvSpPr>
+          <p:cNvPr id="6" name="Marcador de contenido 5">
+            <a:extLst>
+              <a:ext uri="{FF2B5EF4-FFF2-40B4-BE49-F238E27FC236}">
+                <a16:creationId xmlns:a16="http://schemas.microsoft.com/office/drawing/2014/main" id="{7C1F35BD-8859-443F-B451-4E74D56C4093}"/>
+              </a:ext>
+            </a:extLst>
+          </p:cNvPr>
+          <p:cNvSpPr>
+            <a:spLocks noGrp="1"/>
+          </p:cNvSpPr>
+          <p:nvPr>
+            <p:ph sz="quarter" idx="11"/>
+          </p:nvPr>
+        </p:nvSpPr>
+        <p:spPr/>
+        <p:txBody>
+          <a:bodyPr>
+            <a:normAutofit lnSpcReduction="10000"/>
+          </a:bodyPr>
+          <a:lstStyle/>
+          <a:p>
+            <a:r>
+              <a:rPr lang="ca-ES" dirty="0"/>
+              <a:t>13.1</a:t>
+            </a:r>
+          </a:p>
+        </p:txBody>
+      </p:sp>
+      <p:pic>
+        <p:nvPicPr>
+          <p:cNvPr id="4" name="Imagen 3">
+            <a:extLst>
+              <a:ext uri="{FF2B5EF4-FFF2-40B4-BE49-F238E27FC236}">
+                <a16:creationId xmlns:a16="http://schemas.microsoft.com/office/drawing/2014/main" id="{4AB09C40-C15A-408F-9DCF-DA0D70542791}"/>
+              </a:ext>
+            </a:extLst>
+          </p:cNvPr>
+          <p:cNvPicPr>
+            <a:picLocks noChangeAspect="1"/>
+          </p:cNvPicPr>
+          <p:nvPr/>
+        </p:nvPicPr>
+        <p:blipFill>
+          <a:blip r:embed="rId2"/>
+          <a:stretch>
+            <a:fillRect/>
+          </a:stretch>
+        </p:blipFill>
+        <p:spPr>
+          <a:xfrm>
+            <a:off x="551257" y="1551973"/>
+            <a:ext cx="4973152" cy="3754053"/>
+          </a:xfrm>
+          <a:prstGeom prst="rect">
+            <a:avLst/>
+          </a:prstGeom>
+        </p:spPr>
+      </p:pic>
+    </p:spTree>
+    <p:extLst>
+      <p:ext uri="{BB962C8B-B14F-4D97-AF65-F5344CB8AC3E}">
+        <p14:creationId xmlns:p14="http://schemas.microsoft.com/office/powerpoint/2010/main" val="2658321100"/>
+      </p:ext>
+    </p:extLst>
+  </p:cSld>
+  <p:clrMapOvr>
+    <a:masterClrMapping/>
+  </p:clrMapOvr>
+</p:sld>
+</file>
+
+<file path=ppt/slides/slide34.xml><?xml version="1.0" encoding="utf-8"?>
+<p:sld xmlns:a="http://schemas.openxmlformats.org/drawingml/2006/main" xmlns:r="http://schemas.openxmlformats.org/officeDocument/2006/relationships" xmlns:p="http://schemas.openxmlformats.org/presentationml/2006/main">
+  <p:cSld>
+    <p:spTree>
+      <p:nvGrpSpPr>
+        <p:cNvPr id="1" name=""/>
+        <p:cNvGrpSpPr/>
+        <p:nvPr/>
+      </p:nvGrpSpPr>
+      <p:grpSpPr>
+        <a:xfrm>
+          <a:off x="0" y="0"/>
+          <a:ext cx="0" cy="0"/>
+          <a:chOff x="0" y="0"/>
+          <a:chExt cx="0" cy="0"/>
+        </a:xfrm>
+      </p:grpSpPr>
+      <p:sp>
+        <p:nvSpPr>
+          <p:cNvPr id="2" name="Marcador de número de diapositiva 1">
+            <a:extLst>
+              <a:ext uri="{FF2B5EF4-FFF2-40B4-BE49-F238E27FC236}">
+                <a16:creationId xmlns:a16="http://schemas.microsoft.com/office/drawing/2014/main" id="{C5ED044D-ABA2-4A72-8E49-8FAFB9EDABA2}"/>
+              </a:ext>
+            </a:extLst>
+          </p:cNvPr>
+          <p:cNvSpPr>
+            <a:spLocks noGrp="1"/>
+          </p:cNvSpPr>
+          <p:nvPr>
+            <p:ph type="sldNum" sz="quarter" idx="4"/>
+          </p:nvPr>
+        </p:nvSpPr>
+        <p:spPr/>
+        <p:txBody>
+          <a:bodyPr/>
+          <a:lstStyle/>
+          <a:p>
+            <a:fld id="{D0B6F732-2B5E-4D74-ADCC-3AEA2E3CCB91}" type="slidenum">
+              <a:rPr lang="ca-ES" smtClean="0"/>
+              <a:pPr/>
+              <a:t>34</a:t>
             </a:fld>
             <a:endParaRPr lang="ca-ES"/>
           </a:p>
@@ -13833,6 +14129,15 @@
 </file>
 
 <file path=customXml/item2.xml><?xml version="1.0" encoding="utf-8"?>
+<?mso-contentType ?>
+<FormTemplates xmlns="http://schemas.microsoft.com/sharepoint/v3/contenttype/forms">
+  <Display>DocumentLibraryForm</Display>
+  <Edit>DocumentLibraryForm</Edit>
+  <New>DocumentLibraryForm</New>
+</FormTemplates>
+</file>
+
+<file path=customXml/item3.xml><?xml version="1.0" encoding="utf-8"?>
 <ct:contentTypeSchema xmlns:ct="http://schemas.microsoft.com/office/2006/metadata/contentType" xmlns:ma="http://schemas.microsoft.com/office/2006/metadata/properties/metaAttributes" ct:_="" ma:_="" ma:contentTypeName="Document" ma:contentTypeID="0x010100043477CBD4C6CB4FBD379D4D02B2C9F1" ma:contentTypeVersion="7" ma:contentTypeDescription="Create a new document." ma:contentTypeScope="" ma:versionID="e52b0fca996f618b745ce64851f614fd">
   <xsd:schema xmlns:xsd="http://www.w3.org/2001/XMLSchema" xmlns:xs="http://www.w3.org/2001/XMLSchema" xmlns:p="http://schemas.microsoft.com/office/2006/metadata/properties" xmlns:ns2="9e9454b4-51c0-45d6-b250-bdd7e509af23" targetNamespace="http://schemas.microsoft.com/office/2006/metadata/properties" ma:root="true" ma:fieldsID="1cad610c496d18b47ad4f62e20e81023" ns2:_="">
     <xsd:import namespace="9e9454b4-51c0-45d6-b250-bdd7e509af23"/>
@@ -13996,15 +14301,6 @@
 </ct:contentTypeSchema>
 </file>
 
-<file path=customXml/item3.xml><?xml version="1.0" encoding="utf-8"?>
-<?mso-contentType ?>
-<FormTemplates xmlns="http://schemas.microsoft.com/sharepoint/v3/contenttype/forms">
-  <Display>DocumentLibraryForm</Display>
-  <Edit>DocumentLibraryForm</Edit>
-  <New>DocumentLibraryForm</New>
-</FormTemplates>
-</file>
-
 <file path=customXml/itemProps1.xml><?xml version="1.0" encoding="utf-8"?>
 <ds:datastoreItem xmlns:ds="http://schemas.openxmlformats.org/officeDocument/2006/customXml" ds:itemID="{BA93BAE8-E461-49ED-9079-5EF91E7376F8}">
   <ds:schemaRefs>
@@ -14022,6 +14318,14 @@
 </file>
 
 <file path=customXml/itemProps2.xml><?xml version="1.0" encoding="utf-8"?>
+<ds:datastoreItem xmlns:ds="http://schemas.openxmlformats.org/officeDocument/2006/customXml" ds:itemID="{B4C38641-5F87-452D-A890-F9D31ECD2433}">
+  <ds:schemaRefs>
+    <ds:schemaRef ds:uri="http://schemas.microsoft.com/sharepoint/v3/contenttype/forms"/>
+  </ds:schemaRefs>
+</ds:datastoreItem>
+</file>
+
+<file path=customXml/itemProps3.xml><?xml version="1.0" encoding="utf-8"?>
 <ds:datastoreItem xmlns:ds="http://schemas.openxmlformats.org/officeDocument/2006/customXml" ds:itemID="{5EB15170-D293-4829-A2DE-DAE27A7AEA7C}">
   <ds:schemaRefs>
     <ds:schemaRef ds:uri="http://schemas.microsoft.com/office/2006/metadata/contentType"/>
@@ -14037,12 +14341,4 @@
     <ds:schemaRef ds:uri="http://schemas.microsoft.com/internal/obd"/>
   </ds:schemaRefs>
 </ds:datastoreItem>
-</file>
-
-<file path=customXml/itemProps3.xml><?xml version="1.0" encoding="utf-8"?>
-<ds:datastoreItem xmlns:ds="http://schemas.openxmlformats.org/officeDocument/2006/customXml" ds:itemID="{B4C38641-5F87-452D-A890-F9D31ECD2433}">
-  <ds:schemaRefs>
-    <ds:schemaRef ds:uri="http://schemas.microsoft.com/sharepoint/v3/contenttype/forms"/>
-  </ds:schemaRefs>
-</ds:datastoreItem>
 </file>
--- a/1. Preparación del entorno/1. Preparación del Entorno.pptx
+++ b/1. Preparación del entorno/1. Preparación del Entorno.pptx
@@ -289,7 +289,7 @@
           <a:p>
             <a:fld id="{9DA3D7FE-CDC8-4763-B0C2-7F2E10BA6EE1}" type="datetimeFigureOut">
               <a:rPr lang="ca-ES" smtClean="0"/>
-              <a:t>28/9/2020</a:t>
+              <a:t>29/9/2020</a:t>
             </a:fld>
             <a:endParaRPr lang="ca-ES"/>
           </a:p>
@@ -467,7 +467,7 @@
           <a:p>
             <a:fld id="{66F9DEA0-BD61-4A4C-AAFB-420A3EF0FDAC}" type="datetimeFigureOut">
               <a:rPr lang="ca-ES" smtClean="0"/>
-              <a:t>28/9/2020</a:t>
+              <a:t>29/9/2020</a:t>
             </a:fld>
             <a:endParaRPr lang="ca-ES"/>
           </a:p>
@@ -7425,14 +7425,10 @@
             </a:pPr>
             <a:r>
               <a:rPr lang="es-ES" dirty="0"/>
-              <a:t>4+ años trabajando con Docker containers</a:t>
-            </a:r>
-          </a:p>
-          <a:p>
-            <a:pPr marL="285750" indent="-285750">
-              <a:buFontTx/>
-              <a:buChar char="-"/>
-            </a:pPr>
+              <a:t>5+ años trabajando con AWS</a:t>
+            </a:r>
+          </a:p>
+          <a:p>
             <a:endParaRPr lang="es-ES" dirty="0"/>
           </a:p>
           <a:p>
@@ -10542,7 +10538,7 @@
             </a:pPr>
             <a:r>
               <a:rPr lang="es-ES" dirty="0"/>
-              <a:t>Developers que trabajen con entornos de producción y desarrollo</a:t>
+              <a:t>Developers y profesionales que trabajen con entornos de producción y desarrollo</a:t>
             </a:r>
           </a:p>
         </p:txBody>
@@ -12438,7 +12434,7 @@
         </p:spPr>
         <p:txBody>
           <a:bodyPr>
-            <a:normAutofit/>
+            <a:normAutofit fontScale="92500" lnSpcReduction="10000"/>
           </a:bodyPr>
           <a:lstStyle/>
           <a:p>
@@ -12508,6 +12504,29 @@
               <a:rPr lang="es-ES" i="1" dirty="0"/>
               <a:t> install git</a:t>
             </a:r>
+          </a:p>
+          <a:p>
+            <a:endParaRPr lang="es-ES" i="1" dirty="0"/>
+          </a:p>
+          <a:p>
+            <a:r>
+              <a:rPr lang="es-ES" sz="1300" dirty="0"/>
+              <a:t>PD: si nos aparece un error de </a:t>
+            </a:r>
+            <a:r>
+              <a:rPr lang="es-ES" sz="1300" dirty="0" err="1"/>
+              <a:t>SSl</a:t>
+            </a:r>
+            <a:r>
+              <a:rPr lang="es-ES" sz="1300" dirty="0"/>
+              <a:t>, deberemos configurar el proxy en nuestra consola con: </a:t>
+            </a:r>
+          </a:p>
+          <a:p>
+            <a:endParaRPr lang="es-ES" sz="1300" i="1" dirty="0"/>
+          </a:p>
+          <a:p>
+            <a:endParaRPr lang="es-ES" i="1" dirty="0"/>
           </a:p>
         </p:txBody>
       </p:sp>
@@ -14129,15 +14148,6 @@
 </file>
 
 <file path=customXml/item2.xml><?xml version="1.0" encoding="utf-8"?>
-<?mso-contentType ?>
-<FormTemplates xmlns="http://schemas.microsoft.com/sharepoint/v3/contenttype/forms">
-  <Display>DocumentLibraryForm</Display>
-  <Edit>DocumentLibraryForm</Edit>
-  <New>DocumentLibraryForm</New>
-</FormTemplates>
-</file>
-
-<file path=customXml/item3.xml><?xml version="1.0" encoding="utf-8"?>
 <ct:contentTypeSchema xmlns:ct="http://schemas.microsoft.com/office/2006/metadata/contentType" xmlns:ma="http://schemas.microsoft.com/office/2006/metadata/properties/metaAttributes" ct:_="" ma:_="" ma:contentTypeName="Document" ma:contentTypeID="0x010100043477CBD4C6CB4FBD379D4D02B2C9F1" ma:contentTypeVersion="7" ma:contentTypeDescription="Create a new document." ma:contentTypeScope="" ma:versionID="e52b0fca996f618b745ce64851f614fd">
   <xsd:schema xmlns:xsd="http://www.w3.org/2001/XMLSchema" xmlns:xs="http://www.w3.org/2001/XMLSchema" xmlns:p="http://schemas.microsoft.com/office/2006/metadata/properties" xmlns:ns2="9e9454b4-51c0-45d6-b250-bdd7e509af23" targetNamespace="http://schemas.microsoft.com/office/2006/metadata/properties" ma:root="true" ma:fieldsID="1cad610c496d18b47ad4f62e20e81023" ns2:_="">
     <xsd:import namespace="9e9454b4-51c0-45d6-b250-bdd7e509af23"/>
@@ -14301,6 +14311,15 @@
 </ct:contentTypeSchema>
 </file>
 
+<file path=customXml/item3.xml><?xml version="1.0" encoding="utf-8"?>
+<?mso-contentType ?>
+<FormTemplates xmlns="http://schemas.microsoft.com/sharepoint/v3/contenttype/forms">
+  <Display>DocumentLibraryForm</Display>
+  <Edit>DocumentLibraryForm</Edit>
+  <New>DocumentLibraryForm</New>
+</FormTemplates>
+</file>
+
 <file path=customXml/itemProps1.xml><?xml version="1.0" encoding="utf-8"?>
 <ds:datastoreItem xmlns:ds="http://schemas.openxmlformats.org/officeDocument/2006/customXml" ds:itemID="{BA93BAE8-E461-49ED-9079-5EF91E7376F8}">
   <ds:schemaRefs>
@@ -14318,14 +14337,6 @@
 </file>
 
 <file path=customXml/itemProps2.xml><?xml version="1.0" encoding="utf-8"?>
-<ds:datastoreItem xmlns:ds="http://schemas.openxmlformats.org/officeDocument/2006/customXml" ds:itemID="{B4C38641-5F87-452D-A890-F9D31ECD2433}">
-  <ds:schemaRefs>
-    <ds:schemaRef ds:uri="http://schemas.microsoft.com/sharepoint/v3/contenttype/forms"/>
-  </ds:schemaRefs>
-</ds:datastoreItem>
-</file>
-
-<file path=customXml/itemProps3.xml><?xml version="1.0" encoding="utf-8"?>
 <ds:datastoreItem xmlns:ds="http://schemas.openxmlformats.org/officeDocument/2006/customXml" ds:itemID="{5EB15170-D293-4829-A2DE-DAE27A7AEA7C}">
   <ds:schemaRefs>
     <ds:schemaRef ds:uri="http://schemas.microsoft.com/office/2006/metadata/contentType"/>
@@ -14341,4 +14352,12 @@
     <ds:schemaRef ds:uri="http://schemas.microsoft.com/internal/obd"/>
   </ds:schemaRefs>
 </ds:datastoreItem>
+</file>
+
+<file path=customXml/itemProps3.xml><?xml version="1.0" encoding="utf-8"?>
+<ds:datastoreItem xmlns:ds="http://schemas.openxmlformats.org/officeDocument/2006/customXml" ds:itemID="{B4C38641-5F87-452D-A890-F9D31ECD2433}">
+  <ds:schemaRefs>
+    <ds:schemaRef ds:uri="http://schemas.microsoft.com/sharepoint/v3/contenttype/forms"/>
+  </ds:schemaRefs>
+</ds:datastoreItem>
 </file>